--- a/Team_3_India.pptx
+++ b/Team_3_India.pptx
@@ -6,7 +6,7 @@
     <p:sldMasterId id="2147483660" r:id="rId2"/>
   </p:sldMasterIdLst>
   <p:notesMasterIdLst>
-    <p:notesMasterId r:id="rId22"/>
+    <p:notesMasterId r:id="rId24"/>
   </p:notesMasterIdLst>
   <p:sldIdLst>
     <p:sldId id="256" r:id="rId3"/>
@@ -14,20 +14,22 @@
     <p:sldId id="259" r:id="rId5"/>
     <p:sldId id="263" r:id="rId6"/>
     <p:sldId id="273" r:id="rId7"/>
-    <p:sldId id="272" r:id="rId8"/>
-    <p:sldId id="271" r:id="rId9"/>
-    <p:sldId id="270" r:id="rId10"/>
-    <p:sldId id="269" r:id="rId11"/>
-    <p:sldId id="268" r:id="rId12"/>
-    <p:sldId id="267" r:id="rId13"/>
-    <p:sldId id="266" r:id="rId14"/>
-    <p:sldId id="275" r:id="rId15"/>
-    <p:sldId id="276" r:id="rId16"/>
-    <p:sldId id="265" r:id="rId17"/>
-    <p:sldId id="264" r:id="rId18"/>
-    <p:sldId id="262" r:id="rId19"/>
-    <p:sldId id="261" r:id="rId20"/>
-    <p:sldId id="274" r:id="rId21"/>
+    <p:sldId id="277" r:id="rId8"/>
+    <p:sldId id="278" r:id="rId9"/>
+    <p:sldId id="272" r:id="rId10"/>
+    <p:sldId id="271" r:id="rId11"/>
+    <p:sldId id="270" r:id="rId12"/>
+    <p:sldId id="269" r:id="rId13"/>
+    <p:sldId id="268" r:id="rId14"/>
+    <p:sldId id="267" r:id="rId15"/>
+    <p:sldId id="266" r:id="rId16"/>
+    <p:sldId id="275" r:id="rId17"/>
+    <p:sldId id="276" r:id="rId18"/>
+    <p:sldId id="265" r:id="rId19"/>
+    <p:sldId id="264" r:id="rId20"/>
+    <p:sldId id="262" r:id="rId21"/>
+    <p:sldId id="261" r:id="rId22"/>
+    <p:sldId id="274" r:id="rId23"/>
   </p:sldIdLst>
   <p:sldSz cx="12192000" cy="6858000"/>
   <p:notesSz cx="6858000" cy="9144000"/>
@@ -12164,7 +12166,7 @@
         <p:cNvPr id="1" name="">
           <a:extLst>
             <a:ext uri="{FF2B5EF4-FFF2-40B4-BE49-F238E27FC236}">
-              <a16:creationId xmlns:a16="http://schemas.microsoft.com/office/drawing/2014/main" id="{F83CCC51-9DF4-6469-3C98-28464762E054}"/>
+              <a16:creationId xmlns:a16="http://schemas.microsoft.com/office/drawing/2014/main" id="{3CCB92E2-546B-37CB-955E-15E16372E47A}"/>
             </a:ext>
           </a:extLst>
         </p:cNvPr>
@@ -12184,7 +12186,7 @@
           <p:cNvPr id="2" name="Title 1">
             <a:extLst>
               <a:ext uri="{FF2B5EF4-FFF2-40B4-BE49-F238E27FC236}">
-                <a16:creationId xmlns:a16="http://schemas.microsoft.com/office/drawing/2014/main" id="{BECAC08B-863B-5E43-5F2C-B1F920B0FFA8}"/>
+                <a16:creationId xmlns:a16="http://schemas.microsoft.com/office/drawing/2014/main" id="{4BAD786E-8BEB-1641-E1E1-4A96E6C16380}"/>
               </a:ext>
             </a:extLst>
           </p:cNvPr>
@@ -12216,7 +12218,7 @@
                   </a:schemeClr>
                 </a:solidFill>
               </a:rPr>
-              <a:t>8. Addressing Conflicting Interests</a:t>
+              <a:t>6. Strategies of Community engagement</a:t>
             </a:r>
             <a:endParaRPr lang="en-IN" sz="2800" b="1" dirty="0">
               <a:solidFill>
@@ -12233,7 +12235,7 @@
           <p:cNvPr id="7" name="Picture 6">
             <a:extLst>
               <a:ext uri="{FF2B5EF4-FFF2-40B4-BE49-F238E27FC236}">
-                <a16:creationId xmlns:a16="http://schemas.microsoft.com/office/drawing/2014/main" id="{1EC41C76-4FCA-D6BB-2934-1516FD87BA29}"/>
+                <a16:creationId xmlns:a16="http://schemas.microsoft.com/office/drawing/2014/main" id="{35C9A299-0A48-7B33-53A4-D714B2A34A19}"/>
               </a:ext>
             </a:extLst>
           </p:cNvPr>
@@ -12268,7 +12270,7 @@
           <p:cNvPr id="10" name="Picture 9" descr="A logo with blue and black text&#10;&#10;Description automatically generated">
             <a:extLst>
               <a:ext uri="{FF2B5EF4-FFF2-40B4-BE49-F238E27FC236}">
-                <a16:creationId xmlns:a16="http://schemas.microsoft.com/office/drawing/2014/main" id="{3A99D40C-435B-EC10-0CEF-721AE9542AC1}"/>
+                <a16:creationId xmlns:a16="http://schemas.microsoft.com/office/drawing/2014/main" id="{50A69531-5E84-8B70-F847-94D211C7887C}"/>
               </a:ext>
             </a:extLst>
           </p:cNvPr>
@@ -12304,7 +12306,7 @@
           <p:cNvPr id="6" name="Rectangle 5">
             <a:extLst>
               <a:ext uri="{FF2B5EF4-FFF2-40B4-BE49-F238E27FC236}">
-                <a16:creationId xmlns:a16="http://schemas.microsoft.com/office/drawing/2014/main" id="{FCC641D7-5D7C-8292-0BBE-16C01624F0AA}"/>
+                <a16:creationId xmlns:a16="http://schemas.microsoft.com/office/drawing/2014/main" id="{EB32E2EC-DB73-E182-C843-34438308BD6C}"/>
               </a:ext>
             </a:extLst>
           </p:cNvPr>
@@ -12356,7 +12358,7 @@
           <p:cNvPr id="5" name="Straight Connector 4">
             <a:extLst>
               <a:ext uri="{FF2B5EF4-FFF2-40B4-BE49-F238E27FC236}">
-                <a16:creationId xmlns:a16="http://schemas.microsoft.com/office/drawing/2014/main" id="{F866F18B-157B-7975-3006-7DB5B7765F73}"/>
+                <a16:creationId xmlns:a16="http://schemas.microsoft.com/office/drawing/2014/main" id="{1E3AF5FF-F399-B817-92DF-D57DAC460242}"/>
               </a:ext>
             </a:extLst>
           </p:cNvPr>
@@ -12402,7 +12404,7 @@
           <p:cNvPr id="17" name="Date Placeholder 16">
             <a:extLst>
               <a:ext uri="{FF2B5EF4-FFF2-40B4-BE49-F238E27FC236}">
-                <a16:creationId xmlns:a16="http://schemas.microsoft.com/office/drawing/2014/main" id="{0684542E-CA4E-1C7F-2686-85D1C8F20D98}"/>
+                <a16:creationId xmlns:a16="http://schemas.microsoft.com/office/drawing/2014/main" id="{4890AE07-E26F-DB55-02DA-7B9958B5D18B}"/>
               </a:ext>
             </a:extLst>
           </p:cNvPr>
@@ -12439,7 +12441,7 @@
           <p:cNvPr id="18" name="Slide Number Placeholder 17">
             <a:extLst>
               <a:ext uri="{FF2B5EF4-FFF2-40B4-BE49-F238E27FC236}">
-                <a16:creationId xmlns:a16="http://schemas.microsoft.com/office/drawing/2014/main" id="{D6752851-FE23-048C-FAD6-95B80D905FCE}"/>
+                <a16:creationId xmlns:a16="http://schemas.microsoft.com/office/drawing/2014/main" id="{3E491E18-7300-CAAB-8928-8BA04EF5795E}"/>
               </a:ext>
             </a:extLst>
           </p:cNvPr>
@@ -12476,7 +12478,7 @@
           <p:cNvPr id="12" name="Footer Placeholder 1">
             <a:extLst>
               <a:ext uri="{FF2B5EF4-FFF2-40B4-BE49-F238E27FC236}">
-                <a16:creationId xmlns:a16="http://schemas.microsoft.com/office/drawing/2014/main" id="{F3B35263-F4BB-4E4D-7B50-256D8B930BBA}"/>
+                <a16:creationId xmlns:a16="http://schemas.microsoft.com/office/drawing/2014/main" id="{08C8929A-50BD-9E35-0EE7-759A2B0F066D}"/>
               </a:ext>
             </a:extLst>
           </p:cNvPr>
@@ -12515,33 +12517,384 @@
       </p:sp>
       <p:sp>
         <p:nvSpPr>
-          <p:cNvPr id="8" name="Content Placeholder 7">
-            <a:extLst>
-              <a:ext uri="{FF2B5EF4-FFF2-40B4-BE49-F238E27FC236}">
-                <a16:creationId xmlns:a16="http://schemas.microsoft.com/office/drawing/2014/main" id="{4AB4D5A8-7026-CA4F-5CD6-21DE582C398D}"/>
-              </a:ext>
-            </a:extLst>
-          </p:cNvPr>
-          <p:cNvSpPr>
-            <a:spLocks noGrp="1"/>
-          </p:cNvSpPr>
-          <p:nvPr>
-            <p:ph idx="1"/>
-          </p:nvPr>
-        </p:nvSpPr>
-        <p:spPr/>
-        <p:txBody>
-          <a:bodyPr/>
+          <p:cNvPr id="11" name="Rectangle: Rounded Corners 10">
+            <a:extLst>
+              <a:ext uri="{FF2B5EF4-FFF2-40B4-BE49-F238E27FC236}">
+                <a16:creationId xmlns:a16="http://schemas.microsoft.com/office/drawing/2014/main" id="{E911F3DE-225C-FDD2-1D28-602BDEBD6C0E}"/>
+              </a:ext>
+            </a:extLst>
+          </p:cNvPr>
+          <p:cNvSpPr/>
+          <p:nvPr/>
+        </p:nvSpPr>
+        <p:spPr>
+          <a:xfrm>
+            <a:off x="276045" y="1630392"/>
+            <a:ext cx="2760453" cy="577969"/>
+          </a:xfrm>
+          <a:prstGeom prst="roundRect">
+            <a:avLst/>
+          </a:prstGeom>
+        </p:spPr>
+        <p:style>
+          <a:lnRef idx="1">
+            <a:schemeClr val="accent5"/>
+          </a:lnRef>
+          <a:fillRef idx="2">
+            <a:schemeClr val="accent5"/>
+          </a:fillRef>
+          <a:effectRef idx="1">
+            <a:schemeClr val="accent5"/>
+          </a:effectRef>
+          <a:fontRef idx="minor">
+            <a:schemeClr val="dk1"/>
+          </a:fontRef>
+        </p:style>
+        <p:txBody>
+          <a:bodyPr rtlCol="0" anchor="ctr"/>
           <a:lstStyle/>
           <a:p>
-            <a:endParaRPr lang="en-IN"/>
+            <a:pPr algn="ctr"/>
+            <a:r>
+              <a:rPr lang="en-IN" dirty="0"/>
+              <a:t>Community Meeting</a:t>
+            </a:r>
+          </a:p>
+        </p:txBody>
+      </p:sp>
+      <p:sp>
+        <p:nvSpPr>
+          <p:cNvPr id="13" name="Rectangle: Rounded Corners 12">
+            <a:extLst>
+              <a:ext uri="{FF2B5EF4-FFF2-40B4-BE49-F238E27FC236}">
+                <a16:creationId xmlns:a16="http://schemas.microsoft.com/office/drawing/2014/main" id="{F0AD8EEE-2E4C-6391-6D09-E3F25B1D65B4}"/>
+              </a:ext>
+            </a:extLst>
+          </p:cNvPr>
+          <p:cNvSpPr/>
+          <p:nvPr/>
+        </p:nvSpPr>
+        <p:spPr>
+          <a:xfrm>
+            <a:off x="8364747" y="1670649"/>
+            <a:ext cx="2760453" cy="577969"/>
+          </a:xfrm>
+          <a:prstGeom prst="roundRect">
+            <a:avLst/>
+          </a:prstGeom>
+        </p:spPr>
+        <p:style>
+          <a:lnRef idx="1">
+            <a:schemeClr val="accent5"/>
+          </a:lnRef>
+          <a:fillRef idx="2">
+            <a:schemeClr val="accent5"/>
+          </a:fillRef>
+          <a:effectRef idx="1">
+            <a:schemeClr val="accent5"/>
+          </a:effectRef>
+          <a:fontRef idx="minor">
+            <a:schemeClr val="dk1"/>
+          </a:fontRef>
+        </p:style>
+        <p:txBody>
+          <a:bodyPr rtlCol="0" anchor="ctr"/>
+          <a:lstStyle/>
+          <a:p>
+            <a:pPr algn="ctr"/>
+            <a:r>
+              <a:rPr lang="en-IN" dirty="0"/>
+              <a:t>Engage Local Leaders</a:t>
+            </a:r>
+          </a:p>
+        </p:txBody>
+      </p:sp>
+      <p:sp>
+        <p:nvSpPr>
+          <p:cNvPr id="14" name="Rectangle: Rounded Corners 13">
+            <a:extLst>
+              <a:ext uri="{FF2B5EF4-FFF2-40B4-BE49-F238E27FC236}">
+                <a16:creationId xmlns:a16="http://schemas.microsoft.com/office/drawing/2014/main" id="{032E64F3-4ACD-6B79-D82F-AFA646C242C5}"/>
+              </a:ext>
+            </a:extLst>
+          </p:cNvPr>
+          <p:cNvSpPr/>
+          <p:nvPr/>
+        </p:nvSpPr>
+        <p:spPr>
+          <a:xfrm>
+            <a:off x="4293079" y="1653396"/>
+            <a:ext cx="2760453" cy="577969"/>
+          </a:xfrm>
+          <a:prstGeom prst="roundRect">
+            <a:avLst/>
+          </a:prstGeom>
+        </p:spPr>
+        <p:style>
+          <a:lnRef idx="1">
+            <a:schemeClr val="accent5"/>
+          </a:lnRef>
+          <a:fillRef idx="2">
+            <a:schemeClr val="accent5"/>
+          </a:fillRef>
+          <a:effectRef idx="1">
+            <a:schemeClr val="accent5"/>
+          </a:effectRef>
+          <a:fontRef idx="minor">
+            <a:schemeClr val="dk1"/>
+          </a:fontRef>
+        </p:style>
+        <p:txBody>
+          <a:bodyPr rtlCol="0" anchor="ctr"/>
+          <a:lstStyle/>
+          <a:p>
+            <a:pPr algn="ctr"/>
+            <a:r>
+              <a:rPr lang="en-IN" dirty="0"/>
+              <a:t>Transparency</a:t>
+            </a:r>
+          </a:p>
+        </p:txBody>
+      </p:sp>
+      <p:sp>
+        <p:nvSpPr>
+          <p:cNvPr id="15" name="Rectangle: Rounded Corners 14">
+            <a:extLst>
+              <a:ext uri="{FF2B5EF4-FFF2-40B4-BE49-F238E27FC236}">
+                <a16:creationId xmlns:a16="http://schemas.microsoft.com/office/drawing/2014/main" id="{F727C646-EBCB-926F-C18D-BDA782F6B04E}"/>
+              </a:ext>
+            </a:extLst>
+          </p:cNvPr>
+          <p:cNvSpPr/>
+          <p:nvPr/>
+        </p:nvSpPr>
+        <p:spPr>
+          <a:xfrm>
+            <a:off x="2237117" y="3177397"/>
+            <a:ext cx="2760453" cy="577969"/>
+          </a:xfrm>
+          <a:prstGeom prst="roundRect">
+            <a:avLst/>
+          </a:prstGeom>
+        </p:spPr>
+        <p:style>
+          <a:lnRef idx="1">
+            <a:schemeClr val="accent5"/>
+          </a:lnRef>
+          <a:fillRef idx="2">
+            <a:schemeClr val="accent5"/>
+          </a:fillRef>
+          <a:effectRef idx="1">
+            <a:schemeClr val="accent5"/>
+          </a:effectRef>
+          <a:fontRef idx="minor">
+            <a:schemeClr val="dk1"/>
+          </a:fontRef>
+        </p:style>
+        <p:txBody>
+          <a:bodyPr rtlCol="0" anchor="ctr"/>
+          <a:lstStyle/>
+          <a:p>
+            <a:pPr algn="ctr"/>
+            <a:r>
+              <a:rPr lang="en-IN" dirty="0"/>
+              <a:t>Benefit Sharing</a:t>
+            </a:r>
+          </a:p>
+        </p:txBody>
+      </p:sp>
+      <p:sp>
+        <p:nvSpPr>
+          <p:cNvPr id="16" name="Rectangle: Rounded Corners 15">
+            <a:extLst>
+              <a:ext uri="{FF2B5EF4-FFF2-40B4-BE49-F238E27FC236}">
+                <a16:creationId xmlns:a16="http://schemas.microsoft.com/office/drawing/2014/main" id="{98C4366B-685D-65B4-E650-D355326C2108}"/>
+              </a:ext>
+            </a:extLst>
+          </p:cNvPr>
+          <p:cNvSpPr/>
+          <p:nvPr/>
+        </p:nvSpPr>
+        <p:spPr>
+          <a:xfrm>
+            <a:off x="6748732" y="3229155"/>
+            <a:ext cx="2760453" cy="577969"/>
+          </a:xfrm>
+          <a:prstGeom prst="roundRect">
+            <a:avLst/>
+          </a:prstGeom>
+        </p:spPr>
+        <p:style>
+          <a:lnRef idx="1">
+            <a:schemeClr val="accent5"/>
+          </a:lnRef>
+          <a:fillRef idx="2">
+            <a:schemeClr val="accent5"/>
+          </a:fillRef>
+          <a:effectRef idx="1">
+            <a:schemeClr val="accent5"/>
+          </a:effectRef>
+          <a:fontRef idx="minor">
+            <a:schemeClr val="dk1"/>
+          </a:fontRef>
+        </p:style>
+        <p:txBody>
+          <a:bodyPr rtlCol="0" anchor="ctr"/>
+          <a:lstStyle/>
+          <a:p>
+            <a:pPr algn="ctr"/>
+            <a:r>
+              <a:rPr lang="en-IN" dirty="0"/>
+              <a:t>Regular Updates</a:t>
+            </a:r>
+          </a:p>
+        </p:txBody>
+      </p:sp>
+      <p:sp>
+        <p:nvSpPr>
+          <p:cNvPr id="21" name="Rectangle: Rounded Corners 20">
+            <a:extLst>
+              <a:ext uri="{FF2B5EF4-FFF2-40B4-BE49-F238E27FC236}">
+                <a16:creationId xmlns:a16="http://schemas.microsoft.com/office/drawing/2014/main" id="{B609FF58-92AA-5364-9682-1D43E52A525B}"/>
+              </a:ext>
+            </a:extLst>
+          </p:cNvPr>
+          <p:cNvSpPr/>
+          <p:nvPr/>
+        </p:nvSpPr>
+        <p:spPr>
+          <a:xfrm>
+            <a:off x="189781" y="5080959"/>
+            <a:ext cx="2760453" cy="577969"/>
+          </a:xfrm>
+          <a:prstGeom prst="roundRect">
+            <a:avLst/>
+          </a:prstGeom>
+        </p:spPr>
+        <p:style>
+          <a:lnRef idx="1">
+            <a:schemeClr val="accent5"/>
+          </a:lnRef>
+          <a:fillRef idx="2">
+            <a:schemeClr val="accent5"/>
+          </a:fillRef>
+          <a:effectRef idx="1">
+            <a:schemeClr val="accent5"/>
+          </a:effectRef>
+          <a:fontRef idx="minor">
+            <a:schemeClr val="dk1"/>
+          </a:fontRef>
+        </p:style>
+        <p:txBody>
+          <a:bodyPr rtlCol="0" anchor="ctr"/>
+          <a:lstStyle/>
+          <a:p>
+            <a:pPr algn="ctr"/>
+            <a:r>
+              <a:rPr lang="en-IN" dirty="0"/>
+              <a:t>Community Feedback</a:t>
+            </a:r>
+          </a:p>
+        </p:txBody>
+      </p:sp>
+      <p:sp>
+        <p:nvSpPr>
+          <p:cNvPr id="22" name="Rectangle: Rounded Corners 21">
+            <a:extLst>
+              <a:ext uri="{FF2B5EF4-FFF2-40B4-BE49-F238E27FC236}">
+                <a16:creationId xmlns:a16="http://schemas.microsoft.com/office/drawing/2014/main" id="{9D19B6F6-DA06-9E4B-A3F8-E5FB14E104AE}"/>
+              </a:ext>
+            </a:extLst>
+          </p:cNvPr>
+          <p:cNvSpPr/>
+          <p:nvPr/>
+        </p:nvSpPr>
+        <p:spPr>
+          <a:xfrm>
+            <a:off x="4304580" y="5089586"/>
+            <a:ext cx="2760453" cy="577969"/>
+          </a:xfrm>
+          <a:prstGeom prst="roundRect">
+            <a:avLst/>
+          </a:prstGeom>
+        </p:spPr>
+        <p:style>
+          <a:lnRef idx="1">
+            <a:schemeClr val="accent5"/>
+          </a:lnRef>
+          <a:fillRef idx="2">
+            <a:schemeClr val="accent5"/>
+          </a:fillRef>
+          <a:effectRef idx="1">
+            <a:schemeClr val="accent5"/>
+          </a:effectRef>
+          <a:fontRef idx="minor">
+            <a:schemeClr val="dk1"/>
+          </a:fontRef>
+        </p:style>
+        <p:txBody>
+          <a:bodyPr rtlCol="0" anchor="ctr"/>
+          <a:lstStyle/>
+          <a:p>
+            <a:pPr algn="ctr"/>
+            <a:r>
+              <a:rPr lang="en-IN" dirty="0"/>
+              <a:t>Raise Awareness</a:t>
+            </a:r>
+          </a:p>
+        </p:txBody>
+      </p:sp>
+      <p:sp>
+        <p:nvSpPr>
+          <p:cNvPr id="23" name="Rectangle: Rounded Corners 22">
+            <a:extLst>
+              <a:ext uri="{FF2B5EF4-FFF2-40B4-BE49-F238E27FC236}">
+                <a16:creationId xmlns:a16="http://schemas.microsoft.com/office/drawing/2014/main" id="{B748F7EE-85A2-E6A4-8D73-4D44BE4FCD7A}"/>
+              </a:ext>
+            </a:extLst>
+          </p:cNvPr>
+          <p:cNvSpPr/>
+          <p:nvPr/>
+        </p:nvSpPr>
+        <p:spPr>
+          <a:xfrm>
+            <a:off x="8798944" y="5089587"/>
+            <a:ext cx="2760453" cy="577969"/>
+          </a:xfrm>
+          <a:prstGeom prst="roundRect">
+            <a:avLst/>
+          </a:prstGeom>
+        </p:spPr>
+        <p:style>
+          <a:lnRef idx="1">
+            <a:schemeClr val="accent5"/>
+          </a:lnRef>
+          <a:fillRef idx="2">
+            <a:schemeClr val="accent5"/>
+          </a:fillRef>
+          <a:effectRef idx="1">
+            <a:schemeClr val="accent5"/>
+          </a:effectRef>
+          <a:fontRef idx="minor">
+            <a:schemeClr val="dk1"/>
+          </a:fontRef>
+        </p:style>
+        <p:txBody>
+          <a:bodyPr rtlCol="0" anchor="ctr"/>
+          <a:lstStyle/>
+          <a:p>
+            <a:pPr algn="ctr"/>
+            <a:r>
+              <a:rPr lang="en-IN" dirty="0"/>
+              <a:t>Long Term Engagement</a:t>
+            </a:r>
           </a:p>
         </p:txBody>
       </p:sp>
     </p:spTree>
     <p:extLst>
       <p:ext uri="{BB962C8B-B14F-4D97-AF65-F5344CB8AC3E}">
-        <p14:creationId xmlns:p14="http://schemas.microsoft.com/office/powerpoint/2010/main" val="1889385934"/>
+        <p14:creationId xmlns:p14="http://schemas.microsoft.com/office/powerpoint/2010/main" val="4188181281"/>
       </p:ext>
     </p:extLst>
   </p:cSld>
@@ -12559,7 +12912,7 @@
         <p:cNvPr id="1" name="">
           <a:extLst>
             <a:ext uri="{FF2B5EF4-FFF2-40B4-BE49-F238E27FC236}">
-              <a16:creationId xmlns:a16="http://schemas.microsoft.com/office/drawing/2014/main" id="{B5FEB39C-76FF-B743-E175-F53E25C804E6}"/>
+              <a16:creationId xmlns:a16="http://schemas.microsoft.com/office/drawing/2014/main" id="{6BD5306B-ED26-AF34-5E53-CDA7B6466EB7}"/>
             </a:ext>
           </a:extLst>
         </p:cNvPr>
@@ -12579,7 +12932,7 @@
           <p:cNvPr id="2" name="Title 1">
             <a:extLst>
               <a:ext uri="{FF2B5EF4-FFF2-40B4-BE49-F238E27FC236}">
-                <a16:creationId xmlns:a16="http://schemas.microsoft.com/office/drawing/2014/main" id="{6ABA055C-5DF4-B21B-8AD9-8E266B3D1474}"/>
+                <a16:creationId xmlns:a16="http://schemas.microsoft.com/office/drawing/2014/main" id="{0ACA3C14-1801-1F04-5A0F-7137A3D07A9C}"/>
               </a:ext>
             </a:extLst>
           </p:cNvPr>
@@ -12611,7 +12964,7 @@
                   </a:schemeClr>
                 </a:solidFill>
               </a:rPr>
-              <a:t>9. Logistics and Transformation</a:t>
+              <a:t>7. Land Leasing</a:t>
             </a:r>
             <a:endParaRPr lang="en-IN" sz="2800" b="1" dirty="0">
               <a:solidFill>
@@ -12628,7 +12981,7 @@
           <p:cNvPr id="7" name="Picture 6">
             <a:extLst>
               <a:ext uri="{FF2B5EF4-FFF2-40B4-BE49-F238E27FC236}">
-                <a16:creationId xmlns:a16="http://schemas.microsoft.com/office/drawing/2014/main" id="{8FD246C9-1A23-2A56-68EC-6896990D52E2}"/>
+                <a16:creationId xmlns:a16="http://schemas.microsoft.com/office/drawing/2014/main" id="{29377A17-1BF0-F1AF-38FA-CFDA8948B810}"/>
               </a:ext>
             </a:extLst>
           </p:cNvPr>
@@ -12663,7 +13016,7 @@
           <p:cNvPr id="10" name="Picture 9" descr="A logo with blue and black text&#10;&#10;Description automatically generated">
             <a:extLst>
               <a:ext uri="{FF2B5EF4-FFF2-40B4-BE49-F238E27FC236}">
-                <a16:creationId xmlns:a16="http://schemas.microsoft.com/office/drawing/2014/main" id="{0F77F711-C95E-B925-A52A-B6DF1F09D089}"/>
+                <a16:creationId xmlns:a16="http://schemas.microsoft.com/office/drawing/2014/main" id="{4A8C1A39-FE2A-2229-FFB4-71509237FE48}"/>
               </a:ext>
             </a:extLst>
           </p:cNvPr>
@@ -12699,7 +13052,7 @@
           <p:cNvPr id="6" name="Rectangle 5">
             <a:extLst>
               <a:ext uri="{FF2B5EF4-FFF2-40B4-BE49-F238E27FC236}">
-                <a16:creationId xmlns:a16="http://schemas.microsoft.com/office/drawing/2014/main" id="{4DB3981E-9AC8-5390-3142-9E1A2BCDAFA1}"/>
+                <a16:creationId xmlns:a16="http://schemas.microsoft.com/office/drawing/2014/main" id="{E05AC6F1-862F-0E1C-60AE-5C4239EF90A0}"/>
               </a:ext>
             </a:extLst>
           </p:cNvPr>
@@ -12751,7 +13104,7 @@
           <p:cNvPr id="5" name="Straight Connector 4">
             <a:extLst>
               <a:ext uri="{FF2B5EF4-FFF2-40B4-BE49-F238E27FC236}">
-                <a16:creationId xmlns:a16="http://schemas.microsoft.com/office/drawing/2014/main" id="{C97A498E-C252-B7E4-F813-E2EB39A62E7E}"/>
+                <a16:creationId xmlns:a16="http://schemas.microsoft.com/office/drawing/2014/main" id="{B3924E65-6F3F-BA32-28D0-DF4417759588}"/>
               </a:ext>
             </a:extLst>
           </p:cNvPr>
@@ -12797,7 +13150,7 @@
           <p:cNvPr id="17" name="Date Placeholder 16">
             <a:extLst>
               <a:ext uri="{FF2B5EF4-FFF2-40B4-BE49-F238E27FC236}">
-                <a16:creationId xmlns:a16="http://schemas.microsoft.com/office/drawing/2014/main" id="{6C7FFE13-1504-C127-71A3-AA96691246C0}"/>
+                <a16:creationId xmlns:a16="http://schemas.microsoft.com/office/drawing/2014/main" id="{312B6DB8-1311-800C-E7BF-C6E6422DE2C3}"/>
               </a:ext>
             </a:extLst>
           </p:cNvPr>
@@ -12834,7 +13187,7 @@
           <p:cNvPr id="18" name="Slide Number Placeholder 17">
             <a:extLst>
               <a:ext uri="{FF2B5EF4-FFF2-40B4-BE49-F238E27FC236}">
-                <a16:creationId xmlns:a16="http://schemas.microsoft.com/office/drawing/2014/main" id="{7691CC28-1CB1-06DD-B84D-771F4B6C1E68}"/>
+                <a16:creationId xmlns:a16="http://schemas.microsoft.com/office/drawing/2014/main" id="{6552EB04-EF71-4F47-02C3-9ED7C3072DA3}"/>
               </a:ext>
             </a:extLst>
           </p:cNvPr>
@@ -12857,6 +13210,796 @@
                 </a:solidFill>
               </a:rPr>
               <a:t>11</a:t>
+            </a:fld>
+            <a:endParaRPr lang="en-IN" dirty="0">
+              <a:solidFill>
+                <a:schemeClr val="tx1"/>
+              </a:solidFill>
+            </a:endParaRPr>
+          </a:p>
+        </p:txBody>
+      </p:sp>
+      <p:sp>
+        <p:nvSpPr>
+          <p:cNvPr id="12" name="Footer Placeholder 1">
+            <a:extLst>
+              <a:ext uri="{FF2B5EF4-FFF2-40B4-BE49-F238E27FC236}">
+                <a16:creationId xmlns:a16="http://schemas.microsoft.com/office/drawing/2014/main" id="{5556646C-B19C-9579-B3FF-6DB42CB4CF22}"/>
+              </a:ext>
+            </a:extLst>
+          </p:cNvPr>
+          <p:cNvSpPr>
+            <a:spLocks noGrp="1"/>
+          </p:cNvSpPr>
+          <p:nvPr>
+            <p:ph type="ftr" sz="quarter" idx="11"/>
+          </p:nvPr>
+        </p:nvSpPr>
+        <p:spPr>
+          <a:xfrm>
+            <a:off x="4038600" y="6356350"/>
+            <a:ext cx="4114800" cy="365125"/>
+          </a:xfrm>
+        </p:spPr>
+        <p:txBody>
+          <a:bodyPr/>
+          <a:lstStyle/>
+          <a:p>
+            <a:r>
+              <a:rPr lang="en-GB" dirty="0">
+                <a:solidFill>
+                  <a:schemeClr val="tx1"/>
+                </a:solidFill>
+              </a:rPr>
+              <a:t>Team 3: Wind Farm Project Development</a:t>
+            </a:r>
+            <a:endParaRPr lang="en-IN" dirty="0">
+              <a:solidFill>
+                <a:schemeClr val="tx1"/>
+              </a:solidFill>
+            </a:endParaRPr>
+          </a:p>
+        </p:txBody>
+      </p:sp>
+      <p:sp>
+        <p:nvSpPr>
+          <p:cNvPr id="8" name="Content Placeholder 7">
+            <a:extLst>
+              <a:ext uri="{FF2B5EF4-FFF2-40B4-BE49-F238E27FC236}">
+                <a16:creationId xmlns:a16="http://schemas.microsoft.com/office/drawing/2014/main" id="{86D1C21F-0630-D650-47D8-A4E0F3638FA7}"/>
+              </a:ext>
+            </a:extLst>
+          </p:cNvPr>
+          <p:cNvSpPr>
+            <a:spLocks noGrp="1"/>
+          </p:cNvSpPr>
+          <p:nvPr>
+            <p:ph idx="1"/>
+          </p:nvPr>
+        </p:nvSpPr>
+        <p:spPr/>
+        <p:txBody>
+          <a:bodyPr/>
+          <a:lstStyle/>
+          <a:p>
+            <a:endParaRPr lang="en-IN"/>
+          </a:p>
+        </p:txBody>
+      </p:sp>
+    </p:spTree>
+    <p:extLst>
+      <p:ext uri="{BB962C8B-B14F-4D97-AF65-F5344CB8AC3E}">
+        <p14:creationId xmlns:p14="http://schemas.microsoft.com/office/powerpoint/2010/main" val="3635591320"/>
+      </p:ext>
+    </p:extLst>
+  </p:cSld>
+  <p:clrMapOvr>
+    <a:masterClrMapping/>
+  </p:clrMapOvr>
+</p:sld>
+</file>
+
+<file path=ppt/slides/slide12.xml><?xml version="1.0" encoding="utf-8"?>
+<p:sld xmlns:a="http://schemas.openxmlformats.org/drawingml/2006/main" xmlns:r="http://schemas.openxmlformats.org/officeDocument/2006/relationships" xmlns:p="http://schemas.openxmlformats.org/presentationml/2006/main">
+  <p:cSld>
+    <p:spTree>
+      <p:nvGrpSpPr>
+        <p:cNvPr id="1" name="">
+          <a:extLst>
+            <a:ext uri="{FF2B5EF4-FFF2-40B4-BE49-F238E27FC236}">
+              <a16:creationId xmlns:a16="http://schemas.microsoft.com/office/drawing/2014/main" id="{F83CCC51-9DF4-6469-3C98-28464762E054}"/>
+            </a:ext>
+          </a:extLst>
+        </p:cNvPr>
+        <p:cNvGrpSpPr/>
+        <p:nvPr/>
+      </p:nvGrpSpPr>
+      <p:grpSpPr>
+        <a:xfrm>
+          <a:off x="0" y="0"/>
+          <a:ext cx="0" cy="0"/>
+          <a:chOff x="0" y="0"/>
+          <a:chExt cx="0" cy="0"/>
+        </a:xfrm>
+      </p:grpSpPr>
+      <p:sp>
+        <p:nvSpPr>
+          <p:cNvPr id="2" name="Title 1">
+            <a:extLst>
+              <a:ext uri="{FF2B5EF4-FFF2-40B4-BE49-F238E27FC236}">
+                <a16:creationId xmlns:a16="http://schemas.microsoft.com/office/drawing/2014/main" id="{BECAC08B-863B-5E43-5F2C-B1F920B0FFA8}"/>
+              </a:ext>
+            </a:extLst>
+          </p:cNvPr>
+          <p:cNvSpPr>
+            <a:spLocks noGrp="1"/>
+          </p:cNvSpPr>
+          <p:nvPr>
+            <p:ph type="title"/>
+          </p:nvPr>
+        </p:nvSpPr>
+        <p:spPr>
+          <a:xfrm>
+            <a:off x="838200" y="408570"/>
+            <a:ext cx="10515600" cy="839755"/>
+          </a:xfrm>
+        </p:spPr>
+        <p:txBody>
+          <a:bodyPr>
+            <a:normAutofit/>
+          </a:bodyPr>
+          <a:lstStyle/>
+          <a:p>
+            <a:pPr algn="ctr"/>
+            <a:r>
+              <a:rPr lang="en-GB" sz="2800" b="1" dirty="0">
+                <a:solidFill>
+                  <a:schemeClr val="accent2">
+                    <a:lumMod val="50000"/>
+                  </a:schemeClr>
+                </a:solidFill>
+              </a:rPr>
+              <a:t>8. Addressing Conflicting Interests</a:t>
+            </a:r>
+            <a:endParaRPr lang="en-IN" sz="2800" b="1" dirty="0">
+              <a:solidFill>
+                <a:schemeClr val="accent2">
+                  <a:lumMod val="50000"/>
+                </a:schemeClr>
+              </a:solidFill>
+            </a:endParaRPr>
+          </a:p>
+        </p:txBody>
+      </p:sp>
+      <p:pic>
+        <p:nvPicPr>
+          <p:cNvPr id="7" name="Picture 6">
+            <a:extLst>
+              <a:ext uri="{FF2B5EF4-FFF2-40B4-BE49-F238E27FC236}">
+                <a16:creationId xmlns:a16="http://schemas.microsoft.com/office/drawing/2014/main" id="{1EC41C76-4FCA-D6BB-2934-1516FD87BA29}"/>
+              </a:ext>
+            </a:extLst>
+          </p:cNvPr>
+          <p:cNvPicPr>
+            <a:picLocks noChangeAspect="1"/>
+          </p:cNvPicPr>
+          <p:nvPr/>
+        </p:nvPicPr>
+        <p:blipFill>
+          <a:blip r:embed="rId2">
+            <a:extLst>
+              <a:ext uri="{28A0092B-C50C-407E-A947-70E740481C1C}">
+                <a14:useLocalDpi xmlns:a14="http://schemas.microsoft.com/office/drawing/2010/main" val="0"/>
+              </a:ext>
+            </a:extLst>
+          </a:blip>
+          <a:srcRect/>
+          <a:stretch/>
+        </p:blipFill>
+        <p:spPr>
+          <a:xfrm>
+            <a:off x="229098" y="-104177"/>
+            <a:ext cx="2511357" cy="1412637"/>
+          </a:xfrm>
+          <a:prstGeom prst="rect">
+            <a:avLst/>
+          </a:prstGeom>
+        </p:spPr>
+      </p:pic>
+      <p:pic>
+        <p:nvPicPr>
+          <p:cNvPr id="10" name="Picture 9" descr="A logo with blue and black text&#10;&#10;Description automatically generated">
+            <a:extLst>
+              <a:ext uri="{FF2B5EF4-FFF2-40B4-BE49-F238E27FC236}">
+                <a16:creationId xmlns:a16="http://schemas.microsoft.com/office/drawing/2014/main" id="{3A99D40C-435B-EC10-0CEF-721AE9542AC1}"/>
+              </a:ext>
+            </a:extLst>
+          </p:cNvPr>
+          <p:cNvPicPr>
+            <a:picLocks noChangeAspect="1"/>
+          </p:cNvPicPr>
+          <p:nvPr/>
+        </p:nvPicPr>
+        <p:blipFill>
+          <a:blip r:embed="rId3">
+            <a:extLst>
+              <a:ext uri="{28A0092B-C50C-407E-A947-70E740481C1C}">
+                <a14:useLocalDpi xmlns:a14="http://schemas.microsoft.com/office/drawing/2010/main" val="0"/>
+              </a:ext>
+            </a:extLst>
+          </a:blip>
+          <a:stretch>
+            <a:fillRect/>
+          </a:stretch>
+        </p:blipFill>
+        <p:spPr>
+          <a:xfrm>
+            <a:off x="9337398" y="0"/>
+            <a:ext cx="2854602" cy="1204285"/>
+          </a:xfrm>
+          <a:prstGeom prst="rect">
+            <a:avLst/>
+          </a:prstGeom>
+        </p:spPr>
+      </p:pic>
+      <p:sp>
+        <p:nvSpPr>
+          <p:cNvPr id="6" name="Rectangle 5">
+            <a:extLst>
+              <a:ext uri="{FF2B5EF4-FFF2-40B4-BE49-F238E27FC236}">
+                <a16:creationId xmlns:a16="http://schemas.microsoft.com/office/drawing/2014/main" id="{FCC641D7-5D7C-8292-0BBE-16C01624F0AA}"/>
+              </a:ext>
+            </a:extLst>
+          </p:cNvPr>
+          <p:cNvSpPr/>
+          <p:nvPr/>
+        </p:nvSpPr>
+        <p:spPr>
+          <a:xfrm>
+            <a:off x="0" y="6356350"/>
+            <a:ext cx="12192000" cy="501650"/>
+          </a:xfrm>
+          <a:prstGeom prst="rect">
+            <a:avLst/>
+          </a:prstGeom>
+          <a:solidFill>
+            <a:schemeClr val="accent1">
+              <a:lumMod val="60000"/>
+              <a:lumOff val="40000"/>
+            </a:schemeClr>
+          </a:solidFill>
+        </p:spPr>
+        <p:style>
+          <a:lnRef idx="2">
+            <a:schemeClr val="accent1">
+              <a:shade val="15000"/>
+            </a:schemeClr>
+          </a:lnRef>
+          <a:fillRef idx="1">
+            <a:schemeClr val="accent1"/>
+          </a:fillRef>
+          <a:effectRef idx="0">
+            <a:schemeClr val="accent1"/>
+          </a:effectRef>
+          <a:fontRef idx="minor">
+            <a:schemeClr val="lt1"/>
+          </a:fontRef>
+        </p:style>
+        <p:txBody>
+          <a:bodyPr rtlCol="0" anchor="ctr"/>
+          <a:lstStyle/>
+          <a:p>
+            <a:pPr algn="ctr"/>
+            <a:endParaRPr lang="LID4096"/>
+          </a:p>
+        </p:txBody>
+      </p:sp>
+      <p:cxnSp>
+        <p:nvCxnSpPr>
+          <p:cNvPr id="5" name="Straight Connector 4">
+            <a:extLst>
+              <a:ext uri="{FF2B5EF4-FFF2-40B4-BE49-F238E27FC236}">
+                <a16:creationId xmlns:a16="http://schemas.microsoft.com/office/drawing/2014/main" id="{F866F18B-157B-7975-3006-7DB5B7765F73}"/>
+              </a:ext>
+            </a:extLst>
+          </p:cNvPr>
+          <p:cNvCxnSpPr>
+            <a:cxnSpLocks/>
+          </p:cNvCxnSpPr>
+          <p:nvPr/>
+        </p:nvCxnSpPr>
+        <p:spPr>
+          <a:xfrm>
+            <a:off x="0" y="1183609"/>
+            <a:ext cx="12192000" cy="0"/>
+          </a:xfrm>
+          <a:prstGeom prst="line">
+            <a:avLst/>
+          </a:prstGeom>
+          <a:ln>
+            <a:solidFill>
+              <a:schemeClr val="accent1">
+                <a:lumMod val="60000"/>
+                <a:lumOff val="40000"/>
+              </a:schemeClr>
+            </a:solidFill>
+          </a:ln>
+        </p:spPr>
+        <p:style>
+          <a:lnRef idx="1">
+            <a:schemeClr val="accent1"/>
+          </a:lnRef>
+          <a:fillRef idx="0">
+            <a:schemeClr val="accent1"/>
+          </a:fillRef>
+          <a:effectRef idx="0">
+            <a:schemeClr val="accent1"/>
+          </a:effectRef>
+          <a:fontRef idx="minor">
+            <a:schemeClr val="tx1"/>
+          </a:fontRef>
+        </p:style>
+      </p:cxnSp>
+      <p:sp>
+        <p:nvSpPr>
+          <p:cNvPr id="17" name="Date Placeholder 16">
+            <a:extLst>
+              <a:ext uri="{FF2B5EF4-FFF2-40B4-BE49-F238E27FC236}">
+                <a16:creationId xmlns:a16="http://schemas.microsoft.com/office/drawing/2014/main" id="{0684542E-CA4E-1C7F-2686-85D1C8F20D98}"/>
+              </a:ext>
+            </a:extLst>
+          </p:cNvPr>
+          <p:cNvSpPr>
+            <a:spLocks noGrp="1"/>
+          </p:cNvSpPr>
+          <p:nvPr>
+            <p:ph type="dt" sz="half" idx="10"/>
+          </p:nvPr>
+        </p:nvSpPr>
+        <p:spPr/>
+        <p:txBody>
+          <a:bodyPr/>
+          <a:lstStyle/>
+          <a:p>
+            <a:fld id="{036257E0-A100-4250-97F9-3E5E02DD86B0}" type="datetime1">
+              <a:rPr lang="en-IN" smtClean="0">
+                <a:solidFill>
+                  <a:schemeClr val="tx1"/>
+                </a:solidFill>
+              </a:rPr>
+              <a:t>26-12-2024</a:t>
+            </a:fld>
+            <a:endParaRPr lang="en-IN" dirty="0">
+              <a:solidFill>
+                <a:schemeClr val="tx1"/>
+              </a:solidFill>
+            </a:endParaRPr>
+          </a:p>
+        </p:txBody>
+      </p:sp>
+      <p:sp>
+        <p:nvSpPr>
+          <p:cNvPr id="18" name="Slide Number Placeholder 17">
+            <a:extLst>
+              <a:ext uri="{FF2B5EF4-FFF2-40B4-BE49-F238E27FC236}">
+                <a16:creationId xmlns:a16="http://schemas.microsoft.com/office/drawing/2014/main" id="{D6752851-FE23-048C-FAD6-95B80D905FCE}"/>
+              </a:ext>
+            </a:extLst>
+          </p:cNvPr>
+          <p:cNvSpPr>
+            <a:spLocks noGrp="1"/>
+          </p:cNvSpPr>
+          <p:nvPr>
+            <p:ph type="sldNum" sz="quarter" idx="12"/>
+          </p:nvPr>
+        </p:nvSpPr>
+        <p:spPr/>
+        <p:txBody>
+          <a:bodyPr/>
+          <a:lstStyle/>
+          <a:p>
+            <a:fld id="{E7687761-FC87-4A57-BD27-270B4C7228C2}" type="slidenum">
+              <a:rPr lang="en-IN" smtClean="0">
+                <a:solidFill>
+                  <a:schemeClr val="tx1"/>
+                </a:solidFill>
+              </a:rPr>
+              <a:t>12</a:t>
+            </a:fld>
+            <a:endParaRPr lang="en-IN" dirty="0">
+              <a:solidFill>
+                <a:schemeClr val="tx1"/>
+              </a:solidFill>
+            </a:endParaRPr>
+          </a:p>
+        </p:txBody>
+      </p:sp>
+      <p:sp>
+        <p:nvSpPr>
+          <p:cNvPr id="12" name="Footer Placeholder 1">
+            <a:extLst>
+              <a:ext uri="{FF2B5EF4-FFF2-40B4-BE49-F238E27FC236}">
+                <a16:creationId xmlns:a16="http://schemas.microsoft.com/office/drawing/2014/main" id="{F3B35263-F4BB-4E4D-7B50-256D8B930BBA}"/>
+              </a:ext>
+            </a:extLst>
+          </p:cNvPr>
+          <p:cNvSpPr>
+            <a:spLocks noGrp="1"/>
+          </p:cNvSpPr>
+          <p:nvPr>
+            <p:ph type="ftr" sz="quarter" idx="11"/>
+          </p:nvPr>
+        </p:nvSpPr>
+        <p:spPr>
+          <a:xfrm>
+            <a:off x="4038600" y="6356350"/>
+            <a:ext cx="4114800" cy="365125"/>
+          </a:xfrm>
+        </p:spPr>
+        <p:txBody>
+          <a:bodyPr/>
+          <a:lstStyle/>
+          <a:p>
+            <a:r>
+              <a:rPr lang="en-GB" dirty="0">
+                <a:solidFill>
+                  <a:schemeClr val="tx1"/>
+                </a:solidFill>
+              </a:rPr>
+              <a:t>Team 3: Wind Farm Project Development</a:t>
+            </a:r>
+            <a:endParaRPr lang="en-IN" dirty="0">
+              <a:solidFill>
+                <a:schemeClr val="tx1"/>
+              </a:solidFill>
+            </a:endParaRPr>
+          </a:p>
+        </p:txBody>
+      </p:sp>
+      <p:sp>
+        <p:nvSpPr>
+          <p:cNvPr id="8" name="Content Placeholder 7">
+            <a:extLst>
+              <a:ext uri="{FF2B5EF4-FFF2-40B4-BE49-F238E27FC236}">
+                <a16:creationId xmlns:a16="http://schemas.microsoft.com/office/drawing/2014/main" id="{4AB4D5A8-7026-CA4F-5CD6-21DE582C398D}"/>
+              </a:ext>
+            </a:extLst>
+          </p:cNvPr>
+          <p:cNvSpPr>
+            <a:spLocks noGrp="1"/>
+          </p:cNvSpPr>
+          <p:nvPr>
+            <p:ph idx="1"/>
+          </p:nvPr>
+        </p:nvSpPr>
+        <p:spPr/>
+        <p:txBody>
+          <a:bodyPr/>
+          <a:lstStyle/>
+          <a:p>
+            <a:endParaRPr lang="en-IN"/>
+          </a:p>
+        </p:txBody>
+      </p:sp>
+    </p:spTree>
+    <p:extLst>
+      <p:ext uri="{BB962C8B-B14F-4D97-AF65-F5344CB8AC3E}">
+        <p14:creationId xmlns:p14="http://schemas.microsoft.com/office/powerpoint/2010/main" val="1889385934"/>
+      </p:ext>
+    </p:extLst>
+  </p:cSld>
+  <p:clrMapOvr>
+    <a:masterClrMapping/>
+  </p:clrMapOvr>
+</p:sld>
+</file>
+
+<file path=ppt/slides/slide13.xml><?xml version="1.0" encoding="utf-8"?>
+<p:sld xmlns:a="http://schemas.openxmlformats.org/drawingml/2006/main" xmlns:r="http://schemas.openxmlformats.org/officeDocument/2006/relationships" xmlns:p="http://schemas.openxmlformats.org/presentationml/2006/main">
+  <p:cSld>
+    <p:spTree>
+      <p:nvGrpSpPr>
+        <p:cNvPr id="1" name="">
+          <a:extLst>
+            <a:ext uri="{FF2B5EF4-FFF2-40B4-BE49-F238E27FC236}">
+              <a16:creationId xmlns:a16="http://schemas.microsoft.com/office/drawing/2014/main" id="{B5FEB39C-76FF-B743-E175-F53E25C804E6}"/>
+            </a:ext>
+          </a:extLst>
+        </p:cNvPr>
+        <p:cNvGrpSpPr/>
+        <p:nvPr/>
+      </p:nvGrpSpPr>
+      <p:grpSpPr>
+        <a:xfrm>
+          <a:off x="0" y="0"/>
+          <a:ext cx="0" cy="0"/>
+          <a:chOff x="0" y="0"/>
+          <a:chExt cx="0" cy="0"/>
+        </a:xfrm>
+      </p:grpSpPr>
+      <p:sp>
+        <p:nvSpPr>
+          <p:cNvPr id="2" name="Title 1">
+            <a:extLst>
+              <a:ext uri="{FF2B5EF4-FFF2-40B4-BE49-F238E27FC236}">
+                <a16:creationId xmlns:a16="http://schemas.microsoft.com/office/drawing/2014/main" id="{6ABA055C-5DF4-B21B-8AD9-8E266B3D1474}"/>
+              </a:ext>
+            </a:extLst>
+          </p:cNvPr>
+          <p:cNvSpPr>
+            <a:spLocks noGrp="1"/>
+          </p:cNvSpPr>
+          <p:nvPr>
+            <p:ph type="title"/>
+          </p:nvPr>
+        </p:nvSpPr>
+        <p:spPr>
+          <a:xfrm>
+            <a:off x="838200" y="408570"/>
+            <a:ext cx="10515600" cy="839755"/>
+          </a:xfrm>
+        </p:spPr>
+        <p:txBody>
+          <a:bodyPr>
+            <a:normAutofit/>
+          </a:bodyPr>
+          <a:lstStyle/>
+          <a:p>
+            <a:pPr algn="ctr"/>
+            <a:r>
+              <a:rPr lang="en-GB" sz="2800" b="1" dirty="0">
+                <a:solidFill>
+                  <a:schemeClr val="accent2">
+                    <a:lumMod val="50000"/>
+                  </a:schemeClr>
+                </a:solidFill>
+              </a:rPr>
+              <a:t>9. Logistics and Transformation</a:t>
+            </a:r>
+            <a:endParaRPr lang="en-IN" sz="2800" b="1" dirty="0">
+              <a:solidFill>
+                <a:schemeClr val="accent2">
+                  <a:lumMod val="50000"/>
+                </a:schemeClr>
+              </a:solidFill>
+            </a:endParaRPr>
+          </a:p>
+        </p:txBody>
+      </p:sp>
+      <p:pic>
+        <p:nvPicPr>
+          <p:cNvPr id="7" name="Picture 6">
+            <a:extLst>
+              <a:ext uri="{FF2B5EF4-FFF2-40B4-BE49-F238E27FC236}">
+                <a16:creationId xmlns:a16="http://schemas.microsoft.com/office/drawing/2014/main" id="{8FD246C9-1A23-2A56-68EC-6896990D52E2}"/>
+              </a:ext>
+            </a:extLst>
+          </p:cNvPr>
+          <p:cNvPicPr>
+            <a:picLocks noChangeAspect="1"/>
+          </p:cNvPicPr>
+          <p:nvPr/>
+        </p:nvPicPr>
+        <p:blipFill>
+          <a:blip r:embed="rId2">
+            <a:extLst>
+              <a:ext uri="{28A0092B-C50C-407E-A947-70E740481C1C}">
+                <a14:useLocalDpi xmlns:a14="http://schemas.microsoft.com/office/drawing/2010/main" val="0"/>
+              </a:ext>
+            </a:extLst>
+          </a:blip>
+          <a:srcRect/>
+          <a:stretch/>
+        </p:blipFill>
+        <p:spPr>
+          <a:xfrm>
+            <a:off x="229098" y="-104177"/>
+            <a:ext cx="2511357" cy="1412637"/>
+          </a:xfrm>
+          <a:prstGeom prst="rect">
+            <a:avLst/>
+          </a:prstGeom>
+        </p:spPr>
+      </p:pic>
+      <p:pic>
+        <p:nvPicPr>
+          <p:cNvPr id="10" name="Picture 9" descr="A logo with blue and black text&#10;&#10;Description automatically generated">
+            <a:extLst>
+              <a:ext uri="{FF2B5EF4-FFF2-40B4-BE49-F238E27FC236}">
+                <a16:creationId xmlns:a16="http://schemas.microsoft.com/office/drawing/2014/main" id="{0F77F711-C95E-B925-A52A-B6DF1F09D089}"/>
+              </a:ext>
+            </a:extLst>
+          </p:cNvPr>
+          <p:cNvPicPr>
+            <a:picLocks noChangeAspect="1"/>
+          </p:cNvPicPr>
+          <p:nvPr/>
+        </p:nvPicPr>
+        <p:blipFill>
+          <a:blip r:embed="rId3">
+            <a:extLst>
+              <a:ext uri="{28A0092B-C50C-407E-A947-70E740481C1C}">
+                <a14:useLocalDpi xmlns:a14="http://schemas.microsoft.com/office/drawing/2010/main" val="0"/>
+              </a:ext>
+            </a:extLst>
+          </a:blip>
+          <a:stretch>
+            <a:fillRect/>
+          </a:stretch>
+        </p:blipFill>
+        <p:spPr>
+          <a:xfrm>
+            <a:off x="9337398" y="0"/>
+            <a:ext cx="2854602" cy="1204285"/>
+          </a:xfrm>
+          <a:prstGeom prst="rect">
+            <a:avLst/>
+          </a:prstGeom>
+        </p:spPr>
+      </p:pic>
+      <p:sp>
+        <p:nvSpPr>
+          <p:cNvPr id="6" name="Rectangle 5">
+            <a:extLst>
+              <a:ext uri="{FF2B5EF4-FFF2-40B4-BE49-F238E27FC236}">
+                <a16:creationId xmlns:a16="http://schemas.microsoft.com/office/drawing/2014/main" id="{4DB3981E-9AC8-5390-3142-9E1A2BCDAFA1}"/>
+              </a:ext>
+            </a:extLst>
+          </p:cNvPr>
+          <p:cNvSpPr/>
+          <p:nvPr/>
+        </p:nvSpPr>
+        <p:spPr>
+          <a:xfrm>
+            <a:off x="0" y="6356350"/>
+            <a:ext cx="12192000" cy="501650"/>
+          </a:xfrm>
+          <a:prstGeom prst="rect">
+            <a:avLst/>
+          </a:prstGeom>
+          <a:solidFill>
+            <a:schemeClr val="accent1">
+              <a:lumMod val="60000"/>
+              <a:lumOff val="40000"/>
+            </a:schemeClr>
+          </a:solidFill>
+        </p:spPr>
+        <p:style>
+          <a:lnRef idx="2">
+            <a:schemeClr val="accent1">
+              <a:shade val="15000"/>
+            </a:schemeClr>
+          </a:lnRef>
+          <a:fillRef idx="1">
+            <a:schemeClr val="accent1"/>
+          </a:fillRef>
+          <a:effectRef idx="0">
+            <a:schemeClr val="accent1"/>
+          </a:effectRef>
+          <a:fontRef idx="minor">
+            <a:schemeClr val="lt1"/>
+          </a:fontRef>
+        </p:style>
+        <p:txBody>
+          <a:bodyPr rtlCol="0" anchor="ctr"/>
+          <a:lstStyle/>
+          <a:p>
+            <a:pPr algn="ctr"/>
+            <a:endParaRPr lang="LID4096"/>
+          </a:p>
+        </p:txBody>
+      </p:sp>
+      <p:cxnSp>
+        <p:nvCxnSpPr>
+          <p:cNvPr id="5" name="Straight Connector 4">
+            <a:extLst>
+              <a:ext uri="{FF2B5EF4-FFF2-40B4-BE49-F238E27FC236}">
+                <a16:creationId xmlns:a16="http://schemas.microsoft.com/office/drawing/2014/main" id="{C97A498E-C252-B7E4-F813-E2EB39A62E7E}"/>
+              </a:ext>
+            </a:extLst>
+          </p:cNvPr>
+          <p:cNvCxnSpPr>
+            <a:cxnSpLocks/>
+          </p:cNvCxnSpPr>
+          <p:nvPr/>
+        </p:nvCxnSpPr>
+        <p:spPr>
+          <a:xfrm>
+            <a:off x="0" y="1183609"/>
+            <a:ext cx="12192000" cy="0"/>
+          </a:xfrm>
+          <a:prstGeom prst="line">
+            <a:avLst/>
+          </a:prstGeom>
+          <a:ln>
+            <a:solidFill>
+              <a:schemeClr val="accent1">
+                <a:lumMod val="60000"/>
+                <a:lumOff val="40000"/>
+              </a:schemeClr>
+            </a:solidFill>
+          </a:ln>
+        </p:spPr>
+        <p:style>
+          <a:lnRef idx="1">
+            <a:schemeClr val="accent1"/>
+          </a:lnRef>
+          <a:fillRef idx="0">
+            <a:schemeClr val="accent1"/>
+          </a:fillRef>
+          <a:effectRef idx="0">
+            <a:schemeClr val="accent1"/>
+          </a:effectRef>
+          <a:fontRef idx="minor">
+            <a:schemeClr val="tx1"/>
+          </a:fontRef>
+        </p:style>
+      </p:cxnSp>
+      <p:sp>
+        <p:nvSpPr>
+          <p:cNvPr id="17" name="Date Placeholder 16">
+            <a:extLst>
+              <a:ext uri="{FF2B5EF4-FFF2-40B4-BE49-F238E27FC236}">
+                <a16:creationId xmlns:a16="http://schemas.microsoft.com/office/drawing/2014/main" id="{6C7FFE13-1504-C127-71A3-AA96691246C0}"/>
+              </a:ext>
+            </a:extLst>
+          </p:cNvPr>
+          <p:cNvSpPr>
+            <a:spLocks noGrp="1"/>
+          </p:cNvSpPr>
+          <p:nvPr>
+            <p:ph type="dt" sz="half" idx="10"/>
+          </p:nvPr>
+        </p:nvSpPr>
+        <p:spPr/>
+        <p:txBody>
+          <a:bodyPr/>
+          <a:lstStyle/>
+          <a:p>
+            <a:fld id="{036257E0-A100-4250-97F9-3E5E02DD86B0}" type="datetime1">
+              <a:rPr lang="en-IN" smtClean="0">
+                <a:solidFill>
+                  <a:schemeClr val="tx1"/>
+                </a:solidFill>
+              </a:rPr>
+              <a:t>26-12-2024</a:t>
+            </a:fld>
+            <a:endParaRPr lang="en-IN" dirty="0">
+              <a:solidFill>
+                <a:schemeClr val="tx1"/>
+              </a:solidFill>
+            </a:endParaRPr>
+          </a:p>
+        </p:txBody>
+      </p:sp>
+      <p:sp>
+        <p:nvSpPr>
+          <p:cNvPr id="18" name="Slide Number Placeholder 17">
+            <a:extLst>
+              <a:ext uri="{FF2B5EF4-FFF2-40B4-BE49-F238E27FC236}">
+                <a16:creationId xmlns:a16="http://schemas.microsoft.com/office/drawing/2014/main" id="{7691CC28-1CB1-06DD-B84D-771F4B6C1E68}"/>
+              </a:ext>
+            </a:extLst>
+          </p:cNvPr>
+          <p:cNvSpPr>
+            <a:spLocks noGrp="1"/>
+          </p:cNvSpPr>
+          <p:nvPr>
+            <p:ph type="sldNum" sz="quarter" idx="12"/>
+          </p:nvPr>
+        </p:nvSpPr>
+        <p:spPr/>
+        <p:txBody>
+          <a:bodyPr/>
+          <a:lstStyle/>
+          <a:p>
+            <a:fld id="{E7687761-FC87-4A57-BD27-270B4C7228C2}" type="slidenum">
+              <a:rPr lang="en-IN" smtClean="0">
+                <a:solidFill>
+                  <a:schemeClr val="tx1"/>
+                </a:solidFill>
+              </a:rPr>
+              <a:t>13</a:t>
             </a:fld>
             <a:endParaRPr lang="en-IN" dirty="0">
               <a:solidFill>
@@ -14493,7 +15636,7 @@
 </p:sld>
 </file>
 
-<file path=ppt/slides/slide12.xml><?xml version="1.0" encoding="utf-8"?>
+<file path=ppt/slides/slide14.xml><?xml version="1.0" encoding="utf-8"?>
 <p:sld xmlns:a="http://schemas.openxmlformats.org/drawingml/2006/main" xmlns:r="http://schemas.openxmlformats.org/officeDocument/2006/relationships" xmlns:p="http://schemas.openxmlformats.org/presentationml/2006/main">
   <p:cSld>
     <p:spTree>
@@ -14798,7 +15941,7 @@
                   <a:schemeClr val="tx1"/>
                 </a:solidFill>
               </a:rPr>
-              <a:t>12</a:t>
+              <a:t>14</a:t>
             </a:fld>
             <a:endParaRPr lang="en-IN" dirty="0">
               <a:solidFill>
@@ -14923,7 +16066,7 @@
 </p:sld>
 </file>
 
-<file path=ppt/slides/slide13.xml><?xml version="1.0" encoding="utf-8"?>
+<file path=ppt/slides/slide15.xml><?xml version="1.0" encoding="utf-8"?>
 <p:sld xmlns:a="http://schemas.openxmlformats.org/drawingml/2006/main" xmlns:r="http://schemas.openxmlformats.org/officeDocument/2006/relationships" xmlns:p="http://schemas.openxmlformats.org/presentationml/2006/main">
   <p:cSld>
     <p:spTree>
@@ -15228,7 +16371,7 @@
                   <a:schemeClr val="tx1"/>
                 </a:solidFill>
               </a:rPr>
-              <a:t>13</a:t>
+              <a:t>15</a:t>
             </a:fld>
             <a:endParaRPr lang="en-IN" dirty="0">
               <a:solidFill>
@@ -15353,7 +16496,7 @@
 </p:sld>
 </file>
 
-<file path=ppt/slides/slide14.xml><?xml version="1.0" encoding="utf-8"?>
+<file path=ppt/slides/slide16.xml><?xml version="1.0" encoding="utf-8"?>
 <p:sld xmlns:a="http://schemas.openxmlformats.org/drawingml/2006/main" xmlns:r="http://schemas.openxmlformats.org/officeDocument/2006/relationships" xmlns:p="http://schemas.openxmlformats.org/presentationml/2006/main">
   <p:cSld>
     <p:spTree>
@@ -15658,7 +16801,7 @@
                   <a:schemeClr val="tx1"/>
                 </a:solidFill>
               </a:rPr>
-              <a:t>14</a:t>
+              <a:t>16</a:t>
             </a:fld>
             <a:endParaRPr lang="en-IN" dirty="0">
               <a:solidFill>
@@ -15777,7 +16920,7 @@
 </p:sld>
 </file>
 
-<file path=ppt/slides/slide15.xml><?xml version="1.0" encoding="utf-8"?>
+<file path=ppt/slides/slide17.xml><?xml version="1.0" encoding="utf-8"?>
 <p:sld xmlns:a="http://schemas.openxmlformats.org/drawingml/2006/main" xmlns:r="http://schemas.openxmlformats.org/officeDocument/2006/relationships" xmlns:p="http://schemas.openxmlformats.org/presentationml/2006/main">
   <p:cSld>
     <p:spTree>
@@ -16082,7 +17225,7 @@
                   <a:schemeClr val="tx1"/>
                 </a:solidFill>
               </a:rPr>
-              <a:t>15</a:t>
+              <a:t>17</a:t>
             </a:fld>
             <a:endParaRPr lang="en-IN" dirty="0">
               <a:solidFill>
@@ -17238,7 +18381,7 @@
 </p:sld>
 </file>
 
-<file path=ppt/slides/slide16.xml><?xml version="1.0" encoding="utf-8"?>
+<file path=ppt/slides/slide18.xml><?xml version="1.0" encoding="utf-8"?>
 <p:sld xmlns:a="http://schemas.openxmlformats.org/drawingml/2006/main" xmlns:r="http://schemas.openxmlformats.org/officeDocument/2006/relationships" xmlns:p="http://schemas.openxmlformats.org/presentationml/2006/main">
   <p:cSld>
     <p:spTree>
@@ -17543,7 +18686,7 @@
                   <a:schemeClr val="tx1"/>
                 </a:solidFill>
               </a:rPr>
-              <a:t>16</a:t>
+              <a:t>18</a:t>
             </a:fld>
             <a:endParaRPr lang="en-IN" dirty="0">
               <a:solidFill>
@@ -18016,7 +19159,7 @@
 </p:sld>
 </file>
 
-<file path=ppt/slides/slide17.xml><?xml version="1.0" encoding="utf-8"?>
+<file path=ppt/slides/slide19.xml><?xml version="1.0" encoding="utf-8"?>
 <p:sld xmlns:a="http://schemas.openxmlformats.org/drawingml/2006/main" xmlns:r="http://schemas.openxmlformats.org/officeDocument/2006/relationships" xmlns:p="http://schemas.openxmlformats.org/presentationml/2006/main">
   <p:cSld>
     <p:spTree>
@@ -18321,7 +19464,7 @@
                   <a:schemeClr val="tx1"/>
                 </a:solidFill>
               </a:rPr>
-              <a:t>17</a:t>
+              <a:t>19</a:t>
             </a:fld>
             <a:endParaRPr lang="en-IN" dirty="0">
               <a:solidFill>
@@ -18762,18 +19905,12 @@
 </p:sld>
 </file>
 
-<file path=ppt/slides/slide18.xml><?xml version="1.0" encoding="utf-8"?>
+<file path=ppt/slides/slide2.xml><?xml version="1.0" encoding="utf-8"?>
 <p:sld xmlns:a="http://schemas.openxmlformats.org/drawingml/2006/main" xmlns:r="http://schemas.openxmlformats.org/officeDocument/2006/relationships" xmlns:p="http://schemas.openxmlformats.org/presentationml/2006/main">
   <p:cSld>
     <p:spTree>
       <p:nvGrpSpPr>
-        <p:cNvPr id="1" name="">
-          <a:extLst>
-            <a:ext uri="{FF2B5EF4-FFF2-40B4-BE49-F238E27FC236}">
-              <a16:creationId xmlns:a16="http://schemas.microsoft.com/office/drawing/2014/main" id="{D0139A98-6D8C-735B-F0A8-702E4BCAD5BF}"/>
-            </a:ext>
-          </a:extLst>
-        </p:cNvPr>
+        <p:cNvPr id="1" name=""/>
         <p:cNvGrpSpPr/>
         <p:nvPr/>
       </p:nvGrpSpPr>
@@ -18790,7 +19927,7 @@
           <p:cNvPr id="2" name="Title 1">
             <a:extLst>
               <a:ext uri="{FF2B5EF4-FFF2-40B4-BE49-F238E27FC236}">
-                <a16:creationId xmlns:a16="http://schemas.microsoft.com/office/drawing/2014/main" id="{8F583F3D-02AF-D758-452F-686C4B1F46D7}"/>
+                <a16:creationId xmlns:a16="http://schemas.microsoft.com/office/drawing/2014/main" id="{189BB4D4-956D-1466-26FD-01487AF6656D}"/>
               </a:ext>
             </a:extLst>
           </p:cNvPr>
@@ -18822,7 +19959,7 @@
                   </a:schemeClr>
                 </a:solidFill>
               </a:rPr>
-              <a:t>14. Conclusion</a:t>
+              <a:t>Overview</a:t>
             </a:r>
             <a:endParaRPr lang="en-IN" sz="2800" b="1" dirty="0">
               <a:solidFill>
@@ -18834,12 +19971,247 @@
           </a:p>
         </p:txBody>
       </p:sp>
+      <p:sp>
+        <p:nvSpPr>
+          <p:cNvPr id="3" name="Content Placeholder 2">
+            <a:extLst>
+              <a:ext uri="{FF2B5EF4-FFF2-40B4-BE49-F238E27FC236}">
+                <a16:creationId xmlns:a16="http://schemas.microsoft.com/office/drawing/2014/main" id="{CF25E179-BA05-BAAE-FBAA-821FCAD3C145}"/>
+              </a:ext>
+            </a:extLst>
+          </p:cNvPr>
+          <p:cNvSpPr>
+            <a:spLocks noGrp="1"/>
+          </p:cNvSpPr>
+          <p:nvPr>
+            <p:ph idx="1"/>
+          </p:nvPr>
+        </p:nvSpPr>
+        <p:spPr>
+          <a:xfrm>
+            <a:off x="568464" y="1241745"/>
+            <a:ext cx="4790117" cy="4684116"/>
+          </a:xfrm>
+        </p:spPr>
+        <p:txBody>
+          <a:bodyPr>
+            <a:noAutofit/>
+          </a:bodyPr>
+          <a:lstStyle/>
+          <a:p>
+            <a:pPr marL="342900" lvl="0" indent="-342900">
+              <a:lnSpc>
+                <a:spcPct val="100000"/>
+              </a:lnSpc>
+              <a:buFont typeface="+mj-lt"/>
+              <a:buAutoNum type="arabicPeriod"/>
+            </a:pPr>
+            <a:r>
+              <a:rPr lang="en-GB" sz="2000" kern="100" dirty="0">
+                <a:effectLst/>
+                <a:ea typeface="Aptos" panose="020B0004020202020204" pitchFamily="34" charset="0"/>
+                <a:cs typeface="Times New Roman" panose="02020603050405020304" pitchFamily="18" charset="0"/>
+              </a:rPr>
+              <a:t>Overview of wind</a:t>
+            </a:r>
+            <a:r>
+              <a:rPr lang="en-GB" sz="2000" kern="100" dirty="0">
+                <a:ea typeface="Aptos" panose="020B0004020202020204" pitchFamily="34" charset="0"/>
+                <a:cs typeface="Times New Roman" panose="02020603050405020304" pitchFamily="18" charset="0"/>
+              </a:rPr>
+              <a:t> farm development in Gujarat</a:t>
+            </a:r>
+            <a:r>
+              <a:rPr lang="en-GB" sz="2000" kern="100" dirty="0">
+                <a:effectLst/>
+                <a:ea typeface="Aptos" panose="020B0004020202020204" pitchFamily="34" charset="0"/>
+                <a:cs typeface="Times New Roman" panose="02020603050405020304" pitchFamily="18" charset="0"/>
+              </a:rPr>
+              <a:t> </a:t>
+            </a:r>
+          </a:p>
+          <a:p>
+            <a:pPr marL="342900" lvl="0" indent="-342900">
+              <a:lnSpc>
+                <a:spcPct val="100000"/>
+              </a:lnSpc>
+              <a:buFont typeface="+mj-lt"/>
+              <a:buAutoNum type="arabicPeriod"/>
+            </a:pPr>
+            <a:r>
+              <a:rPr lang="en-GB" sz="2000" kern="100" dirty="0">
+                <a:ea typeface="Aptos" panose="020B0004020202020204" pitchFamily="34" charset="0"/>
+                <a:cs typeface="Times New Roman" panose="02020603050405020304" pitchFamily="18" charset="0"/>
+              </a:rPr>
+              <a:t>Requirement and Criterial</a:t>
+            </a:r>
+            <a:endParaRPr lang="en-GB" sz="2000" kern="100" dirty="0">
+              <a:effectLst/>
+              <a:ea typeface="Aptos" panose="020B0004020202020204" pitchFamily="34" charset="0"/>
+              <a:cs typeface="Times New Roman" panose="02020603050405020304" pitchFamily="18" charset="0"/>
+            </a:endParaRPr>
+          </a:p>
+          <a:p>
+            <a:pPr marL="342900" lvl="0" indent="-342900">
+              <a:lnSpc>
+                <a:spcPct val="100000"/>
+              </a:lnSpc>
+              <a:buFont typeface="+mj-lt"/>
+              <a:buAutoNum type="arabicPeriod"/>
+            </a:pPr>
+            <a:r>
+              <a:rPr lang="en-GB" sz="2000" kern="100" dirty="0">
+                <a:ea typeface="Aptos" panose="020B0004020202020204" pitchFamily="34" charset="0"/>
+                <a:cs typeface="Times New Roman" panose="02020603050405020304" pitchFamily="18" charset="0"/>
+              </a:rPr>
+              <a:t>Wind Area selection</a:t>
+            </a:r>
+            <a:endParaRPr lang="en-GB" sz="2000" kern="100" dirty="0">
+              <a:effectLst/>
+              <a:ea typeface="Aptos" panose="020B0004020202020204" pitchFamily="34" charset="0"/>
+              <a:cs typeface="Times New Roman" panose="02020603050405020304" pitchFamily="18" charset="0"/>
+            </a:endParaRPr>
+          </a:p>
+          <a:p>
+            <a:pPr marL="342900" lvl="0" indent="-342900">
+              <a:lnSpc>
+                <a:spcPct val="100000"/>
+              </a:lnSpc>
+              <a:buFont typeface="+mj-lt"/>
+              <a:buAutoNum type="arabicPeriod"/>
+            </a:pPr>
+            <a:r>
+              <a:rPr lang="en-GB" sz="2000" kern="100" dirty="0">
+                <a:effectLst/>
+                <a:ea typeface="Aptos" panose="020B0004020202020204" pitchFamily="34" charset="0"/>
+                <a:cs typeface="Times New Roman" panose="02020603050405020304" pitchFamily="18" charset="0"/>
+              </a:rPr>
+              <a:t>Grid infrastructure and cable routing</a:t>
+            </a:r>
+            <a:endParaRPr lang="en-GB" sz="2000" b="1" kern="100" dirty="0">
+              <a:ea typeface="Aptos" panose="020B0004020202020204" pitchFamily="34" charset="0"/>
+              <a:cs typeface="Times New Roman" panose="02020603050405020304" pitchFamily="18" charset="0"/>
+            </a:endParaRPr>
+          </a:p>
+          <a:p>
+            <a:pPr marL="342900" lvl="0" indent="-342900">
+              <a:lnSpc>
+                <a:spcPct val="100000"/>
+              </a:lnSpc>
+              <a:buFont typeface="+mj-lt"/>
+              <a:buAutoNum type="arabicPeriod"/>
+            </a:pPr>
+            <a:r>
+              <a:rPr lang="en-GB" sz="2000" kern="100" dirty="0">
+                <a:effectLst/>
+                <a:ea typeface="Aptos" panose="020B0004020202020204" pitchFamily="34" charset="0"/>
+                <a:cs typeface="Times New Roman" panose="02020603050405020304" pitchFamily="18" charset="0"/>
+              </a:rPr>
+              <a:t>Project development timeline </a:t>
+            </a:r>
+          </a:p>
+          <a:p>
+            <a:pPr marL="342900" lvl="0" indent="-342900">
+              <a:lnSpc>
+                <a:spcPct val="100000"/>
+              </a:lnSpc>
+              <a:buFont typeface="+mj-lt"/>
+              <a:buAutoNum type="arabicPeriod"/>
+            </a:pPr>
+            <a:r>
+              <a:rPr lang="en-GB" sz="2000" kern="100" dirty="0">
+                <a:ea typeface="Aptos" panose="020B0004020202020204" pitchFamily="34" charset="0"/>
+                <a:cs typeface="Times New Roman" panose="02020603050405020304" pitchFamily="18" charset="0"/>
+              </a:rPr>
+              <a:t>Strategies c</a:t>
+            </a:r>
+            <a:r>
+              <a:rPr lang="en-GB" sz="2000" kern="100" dirty="0">
+                <a:effectLst/>
+                <a:ea typeface="Aptos" panose="020B0004020202020204" pitchFamily="34" charset="0"/>
+                <a:cs typeface="Times New Roman" panose="02020603050405020304" pitchFamily="18" charset="0"/>
+              </a:rPr>
+              <a:t>ommunity engagement</a:t>
+            </a:r>
+          </a:p>
+          <a:p>
+            <a:pPr marL="342900" lvl="0" indent="-342900">
+              <a:lnSpc>
+                <a:spcPct val="100000"/>
+              </a:lnSpc>
+              <a:spcAft>
+                <a:spcPts val="800"/>
+              </a:spcAft>
+              <a:buFont typeface="+mj-lt"/>
+              <a:buAutoNum type="arabicPeriod"/>
+            </a:pPr>
+            <a:r>
+              <a:rPr lang="en-GB" sz="2000" kern="100" dirty="0">
+                <a:ea typeface="Aptos" panose="020B0004020202020204" pitchFamily="34" charset="0"/>
+                <a:cs typeface="Times New Roman" panose="02020603050405020304" pitchFamily="18" charset="0"/>
+              </a:rPr>
+              <a:t>Land Leasing</a:t>
+            </a:r>
+          </a:p>
+          <a:p>
+            <a:pPr marL="342900" lvl="0" indent="-342900">
+              <a:lnSpc>
+                <a:spcPct val="100000"/>
+              </a:lnSpc>
+              <a:spcAft>
+                <a:spcPts val="800"/>
+              </a:spcAft>
+              <a:buFont typeface="+mj-lt"/>
+              <a:buAutoNum type="arabicPeriod"/>
+            </a:pPr>
+            <a:r>
+              <a:rPr lang="en-GB" sz="2000" kern="100" dirty="0">
+                <a:ea typeface="Aptos" panose="020B0004020202020204" pitchFamily="34" charset="0"/>
+                <a:cs typeface="Times New Roman" panose="02020603050405020304" pitchFamily="18" charset="0"/>
+              </a:rPr>
+              <a:t>Addressing conflicting Interests</a:t>
+            </a:r>
+          </a:p>
+          <a:p>
+            <a:pPr marL="0" lvl="0" indent="0">
+              <a:lnSpc>
+                <a:spcPct val="100000"/>
+              </a:lnSpc>
+              <a:spcAft>
+                <a:spcPts val="800"/>
+              </a:spcAft>
+              <a:buNone/>
+            </a:pPr>
+            <a:endParaRPr lang="en-GB" sz="1800" kern="100" dirty="0">
+              <a:ea typeface="Aptos" panose="020B0004020202020204" pitchFamily="34" charset="0"/>
+              <a:cs typeface="Times New Roman" panose="02020603050405020304" pitchFamily="18" charset="0"/>
+            </a:endParaRPr>
+          </a:p>
+          <a:p>
+            <a:pPr marL="342900" lvl="0" indent="-342900" algn="r">
+              <a:lnSpc>
+                <a:spcPct val="107000"/>
+              </a:lnSpc>
+              <a:spcAft>
+                <a:spcPts val="800"/>
+              </a:spcAft>
+              <a:buFont typeface="+mj-lt"/>
+              <a:buAutoNum type="arabicPeriod"/>
+            </a:pPr>
+            <a:endParaRPr lang="en-GB" sz="1800" kern="100" dirty="0">
+              <a:effectLst/>
+              <a:ea typeface="Aptos" panose="020B0004020202020204" pitchFamily="34" charset="0"/>
+              <a:cs typeface="Times New Roman" panose="02020603050405020304" pitchFamily="18" charset="0"/>
+            </a:endParaRPr>
+          </a:p>
+        </p:txBody>
+      </p:sp>
       <p:pic>
         <p:nvPicPr>
           <p:cNvPr id="7" name="Picture 6">
             <a:extLst>
               <a:ext uri="{FF2B5EF4-FFF2-40B4-BE49-F238E27FC236}">
-                <a16:creationId xmlns:a16="http://schemas.microsoft.com/office/drawing/2014/main" id="{2EE9A9C4-DF1D-2989-5BEF-7E4C9E135811}"/>
+                <a16:creationId xmlns:a16="http://schemas.microsoft.com/office/drawing/2014/main" id="{D1045AAC-765E-18B2-22FF-7A7270DED640}"/>
               </a:ext>
             </a:extLst>
           </p:cNvPr>
@@ -18874,7 +20246,7 @@
           <p:cNvPr id="10" name="Picture 9" descr="A logo with blue and black text&#10;&#10;Description automatically generated">
             <a:extLst>
               <a:ext uri="{FF2B5EF4-FFF2-40B4-BE49-F238E27FC236}">
-                <a16:creationId xmlns:a16="http://schemas.microsoft.com/office/drawing/2014/main" id="{6DABA072-55E9-8464-723A-7427C71E323D}"/>
+                <a16:creationId xmlns:a16="http://schemas.microsoft.com/office/drawing/2014/main" id="{DD5D4744-3E30-30F5-5AAA-3D2CCDF29E5C}"/>
               </a:ext>
             </a:extLst>
           </p:cNvPr>
@@ -18910,7 +20282,7 @@
           <p:cNvPr id="6" name="Rectangle 5">
             <a:extLst>
               <a:ext uri="{FF2B5EF4-FFF2-40B4-BE49-F238E27FC236}">
-                <a16:creationId xmlns:a16="http://schemas.microsoft.com/office/drawing/2014/main" id="{7938E939-C1AB-DBBE-0A15-711D18B0D05C}"/>
+                <a16:creationId xmlns:a16="http://schemas.microsoft.com/office/drawing/2014/main" id="{8825E455-D545-9408-95EE-6339E7D4E11F}"/>
               </a:ext>
             </a:extLst>
           </p:cNvPr>
@@ -18962,7 +20334,7 @@
           <p:cNvPr id="5" name="Straight Connector 4">
             <a:extLst>
               <a:ext uri="{FF2B5EF4-FFF2-40B4-BE49-F238E27FC236}">
-                <a16:creationId xmlns:a16="http://schemas.microsoft.com/office/drawing/2014/main" id="{2B5F3E8B-D91A-A03A-8EBB-2C04B8A88771}"/>
+                <a16:creationId xmlns:a16="http://schemas.microsoft.com/office/drawing/2014/main" id="{44EB1972-A3C9-6302-749B-1625930F1593}"/>
               </a:ext>
             </a:extLst>
           </p:cNvPr>
@@ -19008,7 +20380,7 @@
           <p:cNvPr id="17" name="Date Placeholder 16">
             <a:extLst>
               <a:ext uri="{FF2B5EF4-FFF2-40B4-BE49-F238E27FC236}">
-                <a16:creationId xmlns:a16="http://schemas.microsoft.com/office/drawing/2014/main" id="{023E0FD1-FDAD-4C03-D9F9-AC39194EB9FD}"/>
+                <a16:creationId xmlns:a16="http://schemas.microsoft.com/office/drawing/2014/main" id="{880A3791-CA6D-6C49-9727-21EDC4A1FF87}"/>
               </a:ext>
             </a:extLst>
           </p:cNvPr>
@@ -19045,7 +20417,7 @@
           <p:cNvPr id="18" name="Slide Number Placeholder 17">
             <a:extLst>
               <a:ext uri="{FF2B5EF4-FFF2-40B4-BE49-F238E27FC236}">
-                <a16:creationId xmlns:a16="http://schemas.microsoft.com/office/drawing/2014/main" id="{EC607CBB-F9F7-E8A2-C358-636AB716CC5C}"/>
+                <a16:creationId xmlns:a16="http://schemas.microsoft.com/office/drawing/2014/main" id="{153D84A6-A93C-285F-8C5F-F2326EAFDD38}"/>
               </a:ext>
             </a:extLst>
           </p:cNvPr>
@@ -19067,7 +20439,7 @@
                   <a:schemeClr val="tx1"/>
                 </a:solidFill>
               </a:rPr>
-              <a:t>18</a:t>
+              <a:t>2</a:t>
             </a:fld>
             <a:endParaRPr lang="en-IN" dirty="0">
               <a:solidFill>
@@ -19079,10 +20451,158 @@
       </p:sp>
       <p:sp>
         <p:nvSpPr>
+          <p:cNvPr id="9" name="TextBox 8">
+            <a:extLst>
+              <a:ext uri="{FF2B5EF4-FFF2-40B4-BE49-F238E27FC236}">
+                <a16:creationId xmlns:a16="http://schemas.microsoft.com/office/drawing/2014/main" id="{399AF160-9336-083D-048B-8BC6BEAC8A7F}"/>
+              </a:ext>
+            </a:extLst>
+          </p:cNvPr>
+          <p:cNvSpPr txBox="1"/>
+          <p:nvPr/>
+        </p:nvSpPr>
+        <p:spPr>
+          <a:xfrm>
+            <a:off x="6737555" y="1225214"/>
+            <a:ext cx="5080819" cy="2862322"/>
+          </a:xfrm>
+          <a:prstGeom prst="rect">
+            <a:avLst/>
+          </a:prstGeom>
+          <a:noFill/>
+        </p:spPr>
+        <p:txBody>
+          <a:bodyPr wrap="square">
+            <a:spAutoFit/>
+          </a:bodyPr>
+          <a:lstStyle/>
+          <a:p>
+            <a:pPr lvl="0">
+              <a:lnSpc>
+                <a:spcPct val="100000"/>
+              </a:lnSpc>
+              <a:spcAft>
+                <a:spcPts val="800"/>
+              </a:spcAft>
+            </a:pPr>
+            <a:r>
+              <a:rPr lang="en-GB" sz="2000" kern="100" dirty="0">
+                <a:ea typeface="Aptos" panose="020B0004020202020204" pitchFamily="34" charset="0"/>
+                <a:cs typeface="Times New Roman" panose="02020603050405020304" pitchFamily="18" charset="0"/>
+              </a:rPr>
+              <a:t>9. Logistics and Transformation</a:t>
+            </a:r>
+          </a:p>
+          <a:p>
+            <a:pPr lvl="0">
+              <a:lnSpc>
+                <a:spcPct val="100000"/>
+              </a:lnSpc>
+              <a:spcAft>
+                <a:spcPts val="800"/>
+              </a:spcAft>
+            </a:pPr>
+            <a:r>
+              <a:rPr lang="en-GB" sz="2000" kern="100" dirty="0">
+                <a:ea typeface="Aptos" panose="020B0004020202020204" pitchFamily="34" charset="0"/>
+                <a:cs typeface="Times New Roman" panose="02020603050405020304" pitchFamily="18" charset="0"/>
+              </a:rPr>
+              <a:t>10. Profitability Analysis</a:t>
+            </a:r>
+          </a:p>
+          <a:p>
+            <a:pPr lvl="0">
+              <a:lnSpc>
+                <a:spcPct val="100000"/>
+              </a:lnSpc>
+              <a:spcAft>
+                <a:spcPts val="800"/>
+              </a:spcAft>
+            </a:pPr>
+            <a:r>
+              <a:rPr lang="en-GB" sz="2000" kern="100" dirty="0">
+                <a:ea typeface="Aptos" panose="020B0004020202020204" pitchFamily="34" charset="0"/>
+                <a:cs typeface="Times New Roman" panose="02020603050405020304" pitchFamily="18" charset="0"/>
+              </a:rPr>
+              <a:t>11. Results</a:t>
+            </a:r>
+          </a:p>
+          <a:p>
+            <a:pPr lvl="0">
+              <a:lnSpc>
+                <a:spcPct val="100000"/>
+              </a:lnSpc>
+              <a:spcAft>
+                <a:spcPts val="800"/>
+              </a:spcAft>
+            </a:pPr>
+            <a:r>
+              <a:rPr lang="en-GB" sz="2000" kern="100" dirty="0">
+                <a:ea typeface="Aptos" panose="020B0004020202020204" pitchFamily="34" charset="0"/>
+                <a:cs typeface="Times New Roman" panose="02020603050405020304" pitchFamily="18" charset="0"/>
+              </a:rPr>
+              <a:t>12. Long Term Strategy</a:t>
+            </a:r>
+          </a:p>
+          <a:p>
+            <a:pPr lvl="0">
+              <a:lnSpc>
+                <a:spcPct val="100000"/>
+              </a:lnSpc>
+              <a:spcAft>
+                <a:spcPts val="800"/>
+              </a:spcAft>
+            </a:pPr>
+            <a:r>
+              <a:rPr lang="en-GB" sz="2000" kern="100" dirty="0">
+                <a:ea typeface="Aptos" panose="020B0004020202020204" pitchFamily="34" charset="0"/>
+                <a:cs typeface="Times New Roman" panose="02020603050405020304" pitchFamily="18" charset="0"/>
+              </a:rPr>
+              <a:t>13. Barriers and Obstacles</a:t>
+            </a:r>
+          </a:p>
+          <a:p>
+            <a:pPr lvl="0">
+              <a:lnSpc>
+                <a:spcPct val="100000"/>
+              </a:lnSpc>
+              <a:spcAft>
+                <a:spcPts val="800"/>
+              </a:spcAft>
+            </a:pPr>
+            <a:r>
+              <a:rPr lang="en-GB" sz="2000" kern="100" dirty="0">
+                <a:ea typeface="Aptos" panose="020B0004020202020204" pitchFamily="34" charset="0"/>
+                <a:cs typeface="Times New Roman" panose="02020603050405020304" pitchFamily="18" charset="0"/>
+              </a:rPr>
+              <a:t>14. Conclusion</a:t>
+            </a:r>
+          </a:p>
+          <a:p>
+            <a:pPr lvl="0">
+              <a:lnSpc>
+                <a:spcPct val="100000"/>
+              </a:lnSpc>
+              <a:spcAft>
+                <a:spcPts val="800"/>
+              </a:spcAft>
+            </a:pPr>
+            <a:r>
+              <a:rPr lang="en-GB" sz="2000" kern="100" dirty="0">
+                <a:ea typeface="Aptos" panose="020B0004020202020204" pitchFamily="34" charset="0"/>
+                <a:cs typeface="Times New Roman" panose="02020603050405020304" pitchFamily="18" charset="0"/>
+              </a:rPr>
+              <a:t>15. References</a:t>
+            </a:r>
+          </a:p>
+        </p:txBody>
+      </p:sp>
+      <p:sp>
+        <p:nvSpPr>
           <p:cNvPr id="12" name="Footer Placeholder 1">
             <a:extLst>
               <a:ext uri="{FF2B5EF4-FFF2-40B4-BE49-F238E27FC236}">
-                <a16:creationId xmlns:a16="http://schemas.microsoft.com/office/drawing/2014/main" id="{8822B081-445C-CAF2-AF75-DB26517F6220}"/>
+                <a16:creationId xmlns:a16="http://schemas.microsoft.com/office/drawing/2014/main" id="{25B02EB2-6683-5688-019A-A50FB25F714C}"/>
               </a:ext>
             </a:extLst>
           </p:cNvPr>
@@ -19119,186 +20639,10 @@
           </a:p>
         </p:txBody>
       </p:sp>
-      <p:sp>
-        <p:nvSpPr>
-          <p:cNvPr id="8" name="Content Placeholder 7">
-            <a:extLst>
-              <a:ext uri="{FF2B5EF4-FFF2-40B4-BE49-F238E27FC236}">
-                <a16:creationId xmlns:a16="http://schemas.microsoft.com/office/drawing/2014/main" id="{919B5C85-71B0-3B9E-6C9A-8D29A42CF8A8}"/>
-              </a:ext>
-            </a:extLst>
-          </p:cNvPr>
-          <p:cNvSpPr>
-            <a:spLocks noGrp="1"/>
-          </p:cNvSpPr>
-          <p:nvPr>
-            <p:ph idx="1"/>
-          </p:nvPr>
-        </p:nvSpPr>
-        <p:spPr>
-          <a:xfrm>
-            <a:off x="607291" y="1428462"/>
-            <a:ext cx="5516418" cy="4351338"/>
-          </a:xfrm>
-        </p:spPr>
-        <p:txBody>
-          <a:bodyPr>
-            <a:normAutofit/>
-          </a:bodyPr>
-          <a:lstStyle/>
-          <a:p>
-            <a:pPr marL="0" indent="0">
-              <a:buNone/>
-            </a:pPr>
-            <a:r>
-              <a:rPr lang="en-IN" sz="2000" b="1" dirty="0"/>
-              <a:t>Location of Wind farm Perspective:</a:t>
-            </a:r>
-          </a:p>
-          <a:p>
-            <a:pPr marL="0" indent="0">
-              <a:buNone/>
-            </a:pPr>
-            <a:endParaRPr lang="en-IN" sz="2000" b="1" dirty="0"/>
-          </a:p>
-          <a:p>
-            <a:pPr>
-              <a:buFont typeface="Wingdings" panose="05000000000000000000" pitchFamily="2" charset="2"/>
-              <a:buChar char="Ø"/>
-            </a:pPr>
-            <a:r>
-              <a:rPr lang="en-IN" sz="1800" dirty="0"/>
-              <a:t>Taking advantage of Gujarat favourable policy environment</a:t>
-            </a:r>
-          </a:p>
-          <a:p>
-            <a:pPr>
-              <a:buFont typeface="Wingdings" panose="05000000000000000000" pitchFamily="2" charset="2"/>
-              <a:buChar char="Ø"/>
-            </a:pPr>
-            <a:r>
-              <a:rPr lang="en-IN" sz="1800" dirty="0"/>
-              <a:t>Manufacturing location of Suzlon company</a:t>
-            </a:r>
-          </a:p>
-          <a:p>
-            <a:pPr>
-              <a:buFont typeface="Wingdings" panose="05000000000000000000" pitchFamily="2" charset="2"/>
-              <a:buChar char="Ø"/>
-            </a:pPr>
-            <a:endParaRPr lang="en-IN" sz="1800" dirty="0"/>
-          </a:p>
-          <a:p>
-            <a:pPr marL="0" indent="0">
-              <a:buNone/>
-            </a:pPr>
-            <a:r>
-              <a:rPr lang="en-IN" sz="2000" b="1" dirty="0"/>
-              <a:t>Profit Perspective: </a:t>
-            </a:r>
-            <a:endParaRPr lang="en-IN" sz="1800" dirty="0"/>
-          </a:p>
-          <a:p>
-            <a:pPr marL="0" indent="0">
-              <a:buNone/>
-            </a:pPr>
-            <a:endParaRPr lang="en-IN" sz="1800" b="1" dirty="0"/>
-          </a:p>
-          <a:p>
-            <a:pPr>
-              <a:buFont typeface="Wingdings" panose="05000000000000000000" pitchFamily="2" charset="2"/>
-              <a:buChar char="Ø"/>
-            </a:pPr>
-            <a:r>
-              <a:rPr lang="en-IN" sz="1800" dirty="0"/>
-              <a:t>Project Achieves a positive NPV </a:t>
-            </a:r>
-          </a:p>
-          <a:p>
-            <a:pPr>
-              <a:buFont typeface="Wingdings" panose="05000000000000000000" pitchFamily="2" charset="2"/>
-              <a:buChar char="Ø"/>
-            </a:pPr>
-            <a:r>
-              <a:rPr lang="en-IN" sz="1800" dirty="0"/>
-              <a:t>Impressive IRR</a:t>
-            </a:r>
-            <a:endParaRPr lang="en-IN" sz="2000" dirty="0"/>
-          </a:p>
-        </p:txBody>
-      </p:sp>
-      <p:sp>
-        <p:nvSpPr>
-          <p:cNvPr id="11" name="TextBox 10">
-            <a:extLst>
-              <a:ext uri="{FF2B5EF4-FFF2-40B4-BE49-F238E27FC236}">
-                <a16:creationId xmlns:a16="http://schemas.microsoft.com/office/drawing/2014/main" id="{20D53FB9-418F-581A-797B-801A6CDBA4D0}"/>
-              </a:ext>
-            </a:extLst>
-          </p:cNvPr>
-          <p:cNvSpPr txBox="1"/>
-          <p:nvPr/>
-        </p:nvSpPr>
-        <p:spPr>
-          <a:xfrm>
-            <a:off x="6705600" y="2512290"/>
-            <a:ext cx="5486400" cy="1508105"/>
-          </a:xfrm>
-          <a:prstGeom prst="rect">
-            <a:avLst/>
-          </a:prstGeom>
-          <a:noFill/>
-        </p:spPr>
-        <p:txBody>
-          <a:bodyPr wrap="square" rtlCol="0">
-            <a:spAutoFit/>
-          </a:bodyPr>
-          <a:lstStyle/>
-          <a:p>
-            <a:r>
-              <a:rPr lang="en-IN" sz="2000" b="1" dirty="0"/>
-              <a:t>Economic Perspective:</a:t>
-            </a:r>
-          </a:p>
-          <a:p>
-            <a:endParaRPr lang="en-IN" dirty="0"/>
-          </a:p>
-          <a:p>
-            <a:pPr marL="285750" indent="-285750">
-              <a:buFont typeface="Wingdings" panose="05000000000000000000" pitchFamily="2" charset="2"/>
-              <a:buChar char="Ø"/>
-            </a:pPr>
-            <a:r>
-              <a:rPr lang="en-IN" dirty="0"/>
-              <a:t>Reducing carbon emissions</a:t>
-            </a:r>
-          </a:p>
-          <a:p>
-            <a:pPr marL="285750" indent="-285750">
-              <a:buFont typeface="Wingdings" panose="05000000000000000000" pitchFamily="2" charset="2"/>
-              <a:buChar char="Ø"/>
-            </a:pPr>
-            <a:r>
-              <a:rPr lang="en-IN" dirty="0"/>
-              <a:t>Job creation</a:t>
-            </a:r>
-          </a:p>
-          <a:p>
-            <a:pPr marL="285750" indent="-285750">
-              <a:buFont typeface="Wingdings" panose="05000000000000000000" pitchFamily="2" charset="2"/>
-              <a:buChar char="Ø"/>
-            </a:pPr>
-            <a:r>
-              <a:rPr lang="en-IN" dirty="0"/>
-              <a:t>Local manufacturing </a:t>
-            </a:r>
-          </a:p>
-        </p:txBody>
-      </p:sp>
     </p:spTree>
     <p:extLst>
       <p:ext uri="{BB962C8B-B14F-4D97-AF65-F5344CB8AC3E}">
-        <p14:creationId xmlns:p14="http://schemas.microsoft.com/office/powerpoint/2010/main" val="1839017728"/>
+        <p14:creationId xmlns:p14="http://schemas.microsoft.com/office/powerpoint/2010/main" val="4238653939"/>
       </p:ext>
     </p:extLst>
   </p:cSld>
@@ -19308,7 +20652,7 @@
 </p:sld>
 </file>
 
-<file path=ppt/slides/slide19.xml><?xml version="1.0" encoding="utf-8"?>
+<file path=ppt/slides/slide20.xml><?xml version="1.0" encoding="utf-8"?>
 <p:sld xmlns:a="http://schemas.openxmlformats.org/drawingml/2006/main" xmlns:r="http://schemas.openxmlformats.org/officeDocument/2006/relationships" xmlns:p="http://schemas.openxmlformats.org/presentationml/2006/main">
   <p:cSld>
     <p:spTree>
@@ -19316,7 +20660,7 @@
         <p:cNvPr id="1" name="">
           <a:extLst>
             <a:ext uri="{FF2B5EF4-FFF2-40B4-BE49-F238E27FC236}">
-              <a16:creationId xmlns:a16="http://schemas.microsoft.com/office/drawing/2014/main" id="{24EAD01B-04F0-CAE1-9AFE-89C66802DF3B}"/>
+              <a16:creationId xmlns:a16="http://schemas.microsoft.com/office/drawing/2014/main" id="{D0139A98-6D8C-735B-F0A8-702E4BCAD5BF}"/>
             </a:ext>
           </a:extLst>
         </p:cNvPr>
@@ -19336,7 +20680,7 @@
           <p:cNvPr id="2" name="Title 1">
             <a:extLst>
               <a:ext uri="{FF2B5EF4-FFF2-40B4-BE49-F238E27FC236}">
-                <a16:creationId xmlns:a16="http://schemas.microsoft.com/office/drawing/2014/main" id="{4F0CAC00-1DC3-FC41-CBBF-9A509AD3CFFF}"/>
+                <a16:creationId xmlns:a16="http://schemas.microsoft.com/office/drawing/2014/main" id="{8F583F3D-02AF-D758-452F-686C4B1F46D7}"/>
               </a:ext>
             </a:extLst>
           </p:cNvPr>
@@ -19368,7 +20712,7 @@
                   </a:schemeClr>
                 </a:solidFill>
               </a:rPr>
-              <a:t>15. References</a:t>
+              <a:t>14. Conclusion</a:t>
             </a:r>
             <a:endParaRPr lang="en-IN" sz="2800" b="1" dirty="0">
               <a:solidFill>
@@ -19385,7 +20729,7 @@
           <p:cNvPr id="7" name="Picture 6">
             <a:extLst>
               <a:ext uri="{FF2B5EF4-FFF2-40B4-BE49-F238E27FC236}">
-                <a16:creationId xmlns:a16="http://schemas.microsoft.com/office/drawing/2014/main" id="{93CA2408-993F-3200-189C-CCC5AD0054EA}"/>
+                <a16:creationId xmlns:a16="http://schemas.microsoft.com/office/drawing/2014/main" id="{2EE9A9C4-DF1D-2989-5BEF-7E4C9E135811}"/>
               </a:ext>
             </a:extLst>
           </p:cNvPr>
@@ -19420,7 +20764,7 @@
           <p:cNvPr id="10" name="Picture 9" descr="A logo with blue and black text&#10;&#10;Description automatically generated">
             <a:extLst>
               <a:ext uri="{FF2B5EF4-FFF2-40B4-BE49-F238E27FC236}">
-                <a16:creationId xmlns:a16="http://schemas.microsoft.com/office/drawing/2014/main" id="{31A5C218-0C96-4FC2-8156-196A694A3125}"/>
+                <a16:creationId xmlns:a16="http://schemas.microsoft.com/office/drawing/2014/main" id="{6DABA072-55E9-8464-723A-7427C71E323D}"/>
               </a:ext>
             </a:extLst>
           </p:cNvPr>
@@ -19456,7 +20800,7 @@
           <p:cNvPr id="6" name="Rectangle 5">
             <a:extLst>
               <a:ext uri="{FF2B5EF4-FFF2-40B4-BE49-F238E27FC236}">
-                <a16:creationId xmlns:a16="http://schemas.microsoft.com/office/drawing/2014/main" id="{1705A2AC-8336-204C-9F9B-75B5158F95BE}"/>
+                <a16:creationId xmlns:a16="http://schemas.microsoft.com/office/drawing/2014/main" id="{7938E939-C1AB-DBBE-0A15-711D18B0D05C}"/>
               </a:ext>
             </a:extLst>
           </p:cNvPr>
@@ -19508,7 +20852,7 @@
           <p:cNvPr id="5" name="Straight Connector 4">
             <a:extLst>
               <a:ext uri="{FF2B5EF4-FFF2-40B4-BE49-F238E27FC236}">
-                <a16:creationId xmlns:a16="http://schemas.microsoft.com/office/drawing/2014/main" id="{2C01F933-8DEC-34E3-E35E-5155B39B8701}"/>
+                <a16:creationId xmlns:a16="http://schemas.microsoft.com/office/drawing/2014/main" id="{2B5F3E8B-D91A-A03A-8EBB-2C04B8A88771}"/>
               </a:ext>
             </a:extLst>
           </p:cNvPr>
@@ -19554,7 +20898,7 @@
           <p:cNvPr id="17" name="Date Placeholder 16">
             <a:extLst>
               <a:ext uri="{FF2B5EF4-FFF2-40B4-BE49-F238E27FC236}">
-                <a16:creationId xmlns:a16="http://schemas.microsoft.com/office/drawing/2014/main" id="{AA780AFA-EB8E-EA29-BE1A-81D7751934AE}"/>
+                <a16:creationId xmlns:a16="http://schemas.microsoft.com/office/drawing/2014/main" id="{023E0FD1-FDAD-4C03-D9F9-AC39194EB9FD}"/>
               </a:ext>
             </a:extLst>
           </p:cNvPr>
@@ -19591,7 +20935,7 @@
           <p:cNvPr id="18" name="Slide Number Placeholder 17">
             <a:extLst>
               <a:ext uri="{FF2B5EF4-FFF2-40B4-BE49-F238E27FC236}">
-                <a16:creationId xmlns:a16="http://schemas.microsoft.com/office/drawing/2014/main" id="{4AB983BC-76EB-DA2B-BBCB-1F9D94BD73F0}"/>
+                <a16:creationId xmlns:a16="http://schemas.microsoft.com/office/drawing/2014/main" id="{EC607CBB-F9F7-E8A2-C358-636AB716CC5C}"/>
               </a:ext>
             </a:extLst>
           </p:cNvPr>
@@ -19613,7 +20957,7 @@
                   <a:schemeClr val="tx1"/>
                 </a:solidFill>
               </a:rPr>
-              <a:t>19</a:t>
+              <a:t>20</a:t>
             </a:fld>
             <a:endParaRPr lang="en-IN" dirty="0">
               <a:solidFill>
@@ -19628,7 +20972,7 @@
           <p:cNvPr id="12" name="Footer Placeholder 1">
             <a:extLst>
               <a:ext uri="{FF2B5EF4-FFF2-40B4-BE49-F238E27FC236}">
-                <a16:creationId xmlns:a16="http://schemas.microsoft.com/office/drawing/2014/main" id="{7A1EED6C-5232-4E94-9645-21F6D968F1B3}"/>
+                <a16:creationId xmlns:a16="http://schemas.microsoft.com/office/drawing/2014/main" id="{8822B081-445C-CAF2-AF75-DB26517F6220}"/>
               </a:ext>
             </a:extLst>
           </p:cNvPr>
@@ -19670,7 +21014,7 @@
           <p:cNvPr id="8" name="Content Placeholder 7">
             <a:extLst>
               <a:ext uri="{FF2B5EF4-FFF2-40B4-BE49-F238E27FC236}">
-                <a16:creationId xmlns:a16="http://schemas.microsoft.com/office/drawing/2014/main" id="{30F9B3C5-235C-486C-5515-8A25687657C4}"/>
+                <a16:creationId xmlns:a16="http://schemas.microsoft.com/office/drawing/2014/main" id="{919B5C85-71B0-3B9E-6C9A-8D29A42CF8A8}"/>
               </a:ext>
             </a:extLst>
           </p:cNvPr>
@@ -19681,19 +21025,170 @@
             <p:ph idx="1"/>
           </p:nvPr>
         </p:nvSpPr>
-        <p:spPr/>
-        <p:txBody>
-          <a:bodyPr/>
+        <p:spPr>
+          <a:xfrm>
+            <a:off x="607291" y="1428462"/>
+            <a:ext cx="5516418" cy="4351338"/>
+          </a:xfrm>
+        </p:spPr>
+        <p:txBody>
+          <a:bodyPr>
+            <a:normAutofit/>
+          </a:bodyPr>
           <a:lstStyle/>
           <a:p>
-            <a:endParaRPr lang="en-IN"/>
+            <a:pPr marL="0" indent="0">
+              <a:buNone/>
+            </a:pPr>
+            <a:r>
+              <a:rPr lang="en-IN" sz="2000" b="1" dirty="0"/>
+              <a:t>Location of Wind farm Perspective:</a:t>
+            </a:r>
+          </a:p>
+          <a:p>
+            <a:pPr marL="0" indent="0">
+              <a:buNone/>
+            </a:pPr>
+            <a:endParaRPr lang="en-IN" sz="2000" b="1" dirty="0"/>
+          </a:p>
+          <a:p>
+            <a:pPr>
+              <a:buFont typeface="Wingdings" panose="05000000000000000000" pitchFamily="2" charset="2"/>
+              <a:buChar char="Ø"/>
+            </a:pPr>
+            <a:r>
+              <a:rPr lang="en-IN" sz="1800" dirty="0"/>
+              <a:t>Taking advantage of Gujarat favourable policy environment</a:t>
+            </a:r>
+          </a:p>
+          <a:p>
+            <a:pPr>
+              <a:buFont typeface="Wingdings" panose="05000000000000000000" pitchFamily="2" charset="2"/>
+              <a:buChar char="Ø"/>
+            </a:pPr>
+            <a:r>
+              <a:rPr lang="en-IN" sz="1800" dirty="0"/>
+              <a:t>Manufacturing location of Suzlon company</a:t>
+            </a:r>
+          </a:p>
+          <a:p>
+            <a:pPr>
+              <a:buFont typeface="Wingdings" panose="05000000000000000000" pitchFamily="2" charset="2"/>
+              <a:buChar char="Ø"/>
+            </a:pPr>
+            <a:endParaRPr lang="en-IN" sz="1800" dirty="0"/>
+          </a:p>
+          <a:p>
+            <a:pPr marL="0" indent="0">
+              <a:buNone/>
+            </a:pPr>
+            <a:r>
+              <a:rPr lang="en-IN" sz="2000" b="1" dirty="0"/>
+              <a:t>Profit Perspective: </a:t>
+            </a:r>
+            <a:endParaRPr lang="en-IN" sz="1800" dirty="0"/>
+          </a:p>
+          <a:p>
+            <a:pPr marL="0" indent="0">
+              <a:buNone/>
+            </a:pPr>
+            <a:endParaRPr lang="en-IN" sz="1800" b="1" dirty="0"/>
+          </a:p>
+          <a:p>
+            <a:pPr>
+              <a:buFont typeface="Wingdings" panose="05000000000000000000" pitchFamily="2" charset="2"/>
+              <a:buChar char="Ø"/>
+            </a:pPr>
+            <a:r>
+              <a:rPr lang="en-IN" sz="1800" dirty="0"/>
+              <a:t>Project Achieves a positive NPV </a:t>
+            </a:r>
+          </a:p>
+          <a:p>
+            <a:pPr>
+              <a:buFont typeface="Wingdings" panose="05000000000000000000" pitchFamily="2" charset="2"/>
+              <a:buChar char="Ø"/>
+            </a:pPr>
+            <a:r>
+              <a:rPr lang="en-IN" sz="1800" dirty="0"/>
+              <a:t>Impressive IRR</a:t>
+            </a:r>
+            <a:endParaRPr lang="en-IN" sz="2000" dirty="0"/>
+          </a:p>
+        </p:txBody>
+      </p:sp>
+      <p:sp>
+        <p:nvSpPr>
+          <p:cNvPr id="11" name="TextBox 10">
+            <a:extLst>
+              <a:ext uri="{FF2B5EF4-FFF2-40B4-BE49-F238E27FC236}">
+                <a16:creationId xmlns:a16="http://schemas.microsoft.com/office/drawing/2014/main" id="{20D53FB9-418F-581A-797B-801A6CDBA4D0}"/>
+              </a:ext>
+            </a:extLst>
+          </p:cNvPr>
+          <p:cNvSpPr txBox="1"/>
+          <p:nvPr/>
+        </p:nvSpPr>
+        <p:spPr>
+          <a:xfrm>
+            <a:off x="6705600" y="2512290"/>
+            <a:ext cx="5486400" cy="1508105"/>
+          </a:xfrm>
+          <a:prstGeom prst="rect">
+            <a:avLst/>
+          </a:prstGeom>
+          <a:noFill/>
+        </p:spPr>
+        <p:txBody>
+          <a:bodyPr wrap="square" rtlCol="0">
+            <a:spAutoFit/>
+          </a:bodyPr>
+          <a:lstStyle/>
+          <a:p>
+            <a:r>
+              <a:rPr lang="en-IN" sz="2000" b="1" dirty="0"/>
+              <a:t>Economic Perspective:</a:t>
+            </a:r>
+          </a:p>
+          <a:p>
+            <a:endParaRPr lang="en-IN" dirty="0"/>
+          </a:p>
+          <a:p>
+            <a:pPr marL="285750" indent="-285750">
+              <a:buFont typeface="Wingdings" panose="05000000000000000000" pitchFamily="2" charset="2"/>
+              <a:buChar char="Ø"/>
+            </a:pPr>
+            <a:r>
+              <a:rPr lang="en-IN" dirty="0"/>
+              <a:t>Reducing carbon emissions</a:t>
+            </a:r>
+          </a:p>
+          <a:p>
+            <a:pPr marL="285750" indent="-285750">
+              <a:buFont typeface="Wingdings" panose="05000000000000000000" pitchFamily="2" charset="2"/>
+              <a:buChar char="Ø"/>
+            </a:pPr>
+            <a:r>
+              <a:rPr lang="en-IN" dirty="0"/>
+              <a:t>Job creation</a:t>
+            </a:r>
+          </a:p>
+          <a:p>
+            <a:pPr marL="285750" indent="-285750">
+              <a:buFont typeface="Wingdings" panose="05000000000000000000" pitchFamily="2" charset="2"/>
+              <a:buChar char="Ø"/>
+            </a:pPr>
+            <a:r>
+              <a:rPr lang="en-IN" dirty="0"/>
+              <a:t>Local manufacturing </a:t>
+            </a:r>
           </a:p>
         </p:txBody>
       </p:sp>
     </p:spTree>
     <p:extLst>
       <p:ext uri="{BB962C8B-B14F-4D97-AF65-F5344CB8AC3E}">
-        <p14:creationId xmlns:p14="http://schemas.microsoft.com/office/powerpoint/2010/main" val="1251724880"/>
+        <p14:creationId xmlns:p14="http://schemas.microsoft.com/office/powerpoint/2010/main" val="1839017728"/>
       </p:ext>
     </p:extLst>
   </p:cSld>
@@ -19703,12 +21198,18 @@
 </p:sld>
 </file>
 
-<file path=ppt/slides/slide2.xml><?xml version="1.0" encoding="utf-8"?>
+<file path=ppt/slides/slide21.xml><?xml version="1.0" encoding="utf-8"?>
 <p:sld xmlns:a="http://schemas.openxmlformats.org/drawingml/2006/main" xmlns:r="http://schemas.openxmlformats.org/officeDocument/2006/relationships" xmlns:p="http://schemas.openxmlformats.org/presentationml/2006/main">
   <p:cSld>
     <p:spTree>
       <p:nvGrpSpPr>
-        <p:cNvPr id="1" name=""/>
+        <p:cNvPr id="1" name="">
+          <a:extLst>
+            <a:ext uri="{FF2B5EF4-FFF2-40B4-BE49-F238E27FC236}">
+              <a16:creationId xmlns:a16="http://schemas.microsoft.com/office/drawing/2014/main" id="{24EAD01B-04F0-CAE1-9AFE-89C66802DF3B}"/>
+            </a:ext>
+          </a:extLst>
+        </p:cNvPr>
         <p:cNvGrpSpPr/>
         <p:nvPr/>
       </p:nvGrpSpPr>
@@ -19725,7 +21226,7 @@
           <p:cNvPr id="2" name="Title 1">
             <a:extLst>
               <a:ext uri="{FF2B5EF4-FFF2-40B4-BE49-F238E27FC236}">
-                <a16:creationId xmlns:a16="http://schemas.microsoft.com/office/drawing/2014/main" id="{189BB4D4-956D-1466-26FD-01487AF6656D}"/>
+                <a16:creationId xmlns:a16="http://schemas.microsoft.com/office/drawing/2014/main" id="{4F0CAC00-1DC3-FC41-CBBF-9A509AD3CFFF}"/>
               </a:ext>
             </a:extLst>
           </p:cNvPr>
@@ -19757,7 +21258,7 @@
                   </a:schemeClr>
                 </a:solidFill>
               </a:rPr>
-              <a:t>Overview</a:t>
+              <a:t>15. References</a:t>
             </a:r>
             <a:endParaRPr lang="en-IN" sz="2800" b="1" dirty="0">
               <a:solidFill>
@@ -19769,247 +21270,12 @@
           </a:p>
         </p:txBody>
       </p:sp>
-      <p:sp>
-        <p:nvSpPr>
-          <p:cNvPr id="3" name="Content Placeholder 2">
-            <a:extLst>
-              <a:ext uri="{FF2B5EF4-FFF2-40B4-BE49-F238E27FC236}">
-                <a16:creationId xmlns:a16="http://schemas.microsoft.com/office/drawing/2014/main" id="{CF25E179-BA05-BAAE-FBAA-821FCAD3C145}"/>
-              </a:ext>
-            </a:extLst>
-          </p:cNvPr>
-          <p:cNvSpPr>
-            <a:spLocks noGrp="1"/>
-          </p:cNvSpPr>
-          <p:nvPr>
-            <p:ph idx="1"/>
-          </p:nvPr>
-        </p:nvSpPr>
-        <p:spPr>
-          <a:xfrm>
-            <a:off x="568464" y="1241745"/>
-            <a:ext cx="4790117" cy="4684116"/>
-          </a:xfrm>
-        </p:spPr>
-        <p:txBody>
-          <a:bodyPr>
-            <a:noAutofit/>
-          </a:bodyPr>
-          <a:lstStyle/>
-          <a:p>
-            <a:pPr marL="342900" lvl="0" indent="-342900">
-              <a:lnSpc>
-                <a:spcPct val="100000"/>
-              </a:lnSpc>
-              <a:buFont typeface="+mj-lt"/>
-              <a:buAutoNum type="arabicPeriod"/>
-            </a:pPr>
-            <a:r>
-              <a:rPr lang="en-GB" sz="2000" kern="100" dirty="0">
-                <a:effectLst/>
-                <a:ea typeface="Aptos" panose="020B0004020202020204" pitchFamily="34" charset="0"/>
-                <a:cs typeface="Times New Roman" panose="02020603050405020304" pitchFamily="18" charset="0"/>
-              </a:rPr>
-              <a:t>Overview of wind</a:t>
-            </a:r>
-            <a:r>
-              <a:rPr lang="en-GB" sz="2000" kern="100" dirty="0">
-                <a:ea typeface="Aptos" panose="020B0004020202020204" pitchFamily="34" charset="0"/>
-                <a:cs typeface="Times New Roman" panose="02020603050405020304" pitchFamily="18" charset="0"/>
-              </a:rPr>
-              <a:t> farm development in Gujarat</a:t>
-            </a:r>
-            <a:r>
-              <a:rPr lang="en-GB" sz="2000" kern="100" dirty="0">
-                <a:effectLst/>
-                <a:ea typeface="Aptos" panose="020B0004020202020204" pitchFamily="34" charset="0"/>
-                <a:cs typeface="Times New Roman" panose="02020603050405020304" pitchFamily="18" charset="0"/>
-              </a:rPr>
-              <a:t> </a:t>
-            </a:r>
-          </a:p>
-          <a:p>
-            <a:pPr marL="342900" lvl="0" indent="-342900">
-              <a:lnSpc>
-                <a:spcPct val="100000"/>
-              </a:lnSpc>
-              <a:buFont typeface="+mj-lt"/>
-              <a:buAutoNum type="arabicPeriod"/>
-            </a:pPr>
-            <a:r>
-              <a:rPr lang="en-GB" sz="2000" kern="100" dirty="0">
-                <a:ea typeface="Aptos" panose="020B0004020202020204" pitchFamily="34" charset="0"/>
-                <a:cs typeface="Times New Roman" panose="02020603050405020304" pitchFamily="18" charset="0"/>
-              </a:rPr>
-              <a:t>Requirement and Criterial</a:t>
-            </a:r>
-            <a:endParaRPr lang="en-GB" sz="2000" kern="100" dirty="0">
-              <a:effectLst/>
-              <a:ea typeface="Aptos" panose="020B0004020202020204" pitchFamily="34" charset="0"/>
-              <a:cs typeface="Times New Roman" panose="02020603050405020304" pitchFamily="18" charset="0"/>
-            </a:endParaRPr>
-          </a:p>
-          <a:p>
-            <a:pPr marL="342900" lvl="0" indent="-342900">
-              <a:lnSpc>
-                <a:spcPct val="100000"/>
-              </a:lnSpc>
-              <a:buFont typeface="+mj-lt"/>
-              <a:buAutoNum type="arabicPeriod"/>
-            </a:pPr>
-            <a:r>
-              <a:rPr lang="en-GB" sz="2000" kern="100" dirty="0">
-                <a:ea typeface="Aptos" panose="020B0004020202020204" pitchFamily="34" charset="0"/>
-                <a:cs typeface="Times New Roman" panose="02020603050405020304" pitchFamily="18" charset="0"/>
-              </a:rPr>
-              <a:t>Wind Area selection</a:t>
-            </a:r>
-            <a:endParaRPr lang="en-GB" sz="2000" kern="100" dirty="0">
-              <a:effectLst/>
-              <a:ea typeface="Aptos" panose="020B0004020202020204" pitchFamily="34" charset="0"/>
-              <a:cs typeface="Times New Roman" panose="02020603050405020304" pitchFamily="18" charset="0"/>
-            </a:endParaRPr>
-          </a:p>
-          <a:p>
-            <a:pPr marL="342900" lvl="0" indent="-342900">
-              <a:lnSpc>
-                <a:spcPct val="100000"/>
-              </a:lnSpc>
-              <a:buFont typeface="+mj-lt"/>
-              <a:buAutoNum type="arabicPeriod"/>
-            </a:pPr>
-            <a:r>
-              <a:rPr lang="en-GB" sz="2000" kern="100" dirty="0">
-                <a:effectLst/>
-                <a:ea typeface="Aptos" panose="020B0004020202020204" pitchFamily="34" charset="0"/>
-                <a:cs typeface="Times New Roman" panose="02020603050405020304" pitchFamily="18" charset="0"/>
-              </a:rPr>
-              <a:t>Grid infrastructure and cable routing</a:t>
-            </a:r>
-            <a:endParaRPr lang="en-GB" sz="2000" b="1" kern="100" dirty="0">
-              <a:ea typeface="Aptos" panose="020B0004020202020204" pitchFamily="34" charset="0"/>
-              <a:cs typeface="Times New Roman" panose="02020603050405020304" pitchFamily="18" charset="0"/>
-            </a:endParaRPr>
-          </a:p>
-          <a:p>
-            <a:pPr marL="342900" lvl="0" indent="-342900">
-              <a:lnSpc>
-                <a:spcPct val="100000"/>
-              </a:lnSpc>
-              <a:buFont typeface="+mj-lt"/>
-              <a:buAutoNum type="arabicPeriod"/>
-            </a:pPr>
-            <a:r>
-              <a:rPr lang="en-GB" sz="2000" kern="100" dirty="0">
-                <a:effectLst/>
-                <a:ea typeface="Aptos" panose="020B0004020202020204" pitchFamily="34" charset="0"/>
-                <a:cs typeface="Times New Roman" panose="02020603050405020304" pitchFamily="18" charset="0"/>
-              </a:rPr>
-              <a:t>Project development timeline </a:t>
-            </a:r>
-          </a:p>
-          <a:p>
-            <a:pPr marL="342900" lvl="0" indent="-342900">
-              <a:lnSpc>
-                <a:spcPct val="100000"/>
-              </a:lnSpc>
-              <a:buFont typeface="+mj-lt"/>
-              <a:buAutoNum type="arabicPeriod"/>
-            </a:pPr>
-            <a:r>
-              <a:rPr lang="en-GB" sz="2000" kern="100" dirty="0">
-                <a:ea typeface="Aptos" panose="020B0004020202020204" pitchFamily="34" charset="0"/>
-                <a:cs typeface="Times New Roman" panose="02020603050405020304" pitchFamily="18" charset="0"/>
-              </a:rPr>
-              <a:t>Strategies c</a:t>
-            </a:r>
-            <a:r>
-              <a:rPr lang="en-GB" sz="2000" kern="100" dirty="0">
-                <a:effectLst/>
-                <a:ea typeface="Aptos" panose="020B0004020202020204" pitchFamily="34" charset="0"/>
-                <a:cs typeface="Times New Roman" panose="02020603050405020304" pitchFamily="18" charset="0"/>
-              </a:rPr>
-              <a:t>ommunity engagement</a:t>
-            </a:r>
-          </a:p>
-          <a:p>
-            <a:pPr marL="342900" lvl="0" indent="-342900">
-              <a:lnSpc>
-                <a:spcPct val="100000"/>
-              </a:lnSpc>
-              <a:spcAft>
-                <a:spcPts val="800"/>
-              </a:spcAft>
-              <a:buFont typeface="+mj-lt"/>
-              <a:buAutoNum type="arabicPeriod"/>
-            </a:pPr>
-            <a:r>
-              <a:rPr lang="en-GB" sz="2000" kern="100" dirty="0">
-                <a:ea typeface="Aptos" panose="020B0004020202020204" pitchFamily="34" charset="0"/>
-                <a:cs typeface="Times New Roman" panose="02020603050405020304" pitchFamily="18" charset="0"/>
-              </a:rPr>
-              <a:t>Land Leasing</a:t>
-            </a:r>
-          </a:p>
-          <a:p>
-            <a:pPr marL="342900" lvl="0" indent="-342900">
-              <a:lnSpc>
-                <a:spcPct val="100000"/>
-              </a:lnSpc>
-              <a:spcAft>
-                <a:spcPts val="800"/>
-              </a:spcAft>
-              <a:buFont typeface="+mj-lt"/>
-              <a:buAutoNum type="arabicPeriod"/>
-            </a:pPr>
-            <a:r>
-              <a:rPr lang="en-GB" sz="2000" kern="100" dirty="0">
-                <a:ea typeface="Aptos" panose="020B0004020202020204" pitchFamily="34" charset="0"/>
-                <a:cs typeface="Times New Roman" panose="02020603050405020304" pitchFamily="18" charset="0"/>
-              </a:rPr>
-              <a:t>Addressing conflicting Interests</a:t>
-            </a:r>
-          </a:p>
-          <a:p>
-            <a:pPr marL="0" lvl="0" indent="0">
-              <a:lnSpc>
-                <a:spcPct val="100000"/>
-              </a:lnSpc>
-              <a:spcAft>
-                <a:spcPts val="800"/>
-              </a:spcAft>
-              <a:buNone/>
-            </a:pPr>
-            <a:endParaRPr lang="en-GB" sz="1800" kern="100" dirty="0">
-              <a:ea typeface="Aptos" panose="020B0004020202020204" pitchFamily="34" charset="0"/>
-              <a:cs typeface="Times New Roman" panose="02020603050405020304" pitchFamily="18" charset="0"/>
-            </a:endParaRPr>
-          </a:p>
-          <a:p>
-            <a:pPr marL="342900" lvl="0" indent="-342900" algn="r">
-              <a:lnSpc>
-                <a:spcPct val="107000"/>
-              </a:lnSpc>
-              <a:spcAft>
-                <a:spcPts val="800"/>
-              </a:spcAft>
-              <a:buFont typeface="+mj-lt"/>
-              <a:buAutoNum type="arabicPeriod"/>
-            </a:pPr>
-            <a:endParaRPr lang="en-GB" sz="1800" kern="100" dirty="0">
-              <a:effectLst/>
-              <a:ea typeface="Aptos" panose="020B0004020202020204" pitchFamily="34" charset="0"/>
-              <a:cs typeface="Times New Roman" panose="02020603050405020304" pitchFamily="18" charset="0"/>
-            </a:endParaRPr>
-          </a:p>
-        </p:txBody>
-      </p:sp>
       <p:pic>
         <p:nvPicPr>
           <p:cNvPr id="7" name="Picture 6">
             <a:extLst>
               <a:ext uri="{FF2B5EF4-FFF2-40B4-BE49-F238E27FC236}">
-                <a16:creationId xmlns:a16="http://schemas.microsoft.com/office/drawing/2014/main" id="{D1045AAC-765E-18B2-22FF-7A7270DED640}"/>
+                <a16:creationId xmlns:a16="http://schemas.microsoft.com/office/drawing/2014/main" id="{93CA2408-993F-3200-189C-CCC5AD0054EA}"/>
               </a:ext>
             </a:extLst>
           </p:cNvPr>
@@ -20044,7 +21310,7 @@
           <p:cNvPr id="10" name="Picture 9" descr="A logo with blue and black text&#10;&#10;Description automatically generated">
             <a:extLst>
               <a:ext uri="{FF2B5EF4-FFF2-40B4-BE49-F238E27FC236}">
-                <a16:creationId xmlns:a16="http://schemas.microsoft.com/office/drawing/2014/main" id="{DD5D4744-3E30-30F5-5AAA-3D2CCDF29E5C}"/>
+                <a16:creationId xmlns:a16="http://schemas.microsoft.com/office/drawing/2014/main" id="{31A5C218-0C96-4FC2-8156-196A694A3125}"/>
               </a:ext>
             </a:extLst>
           </p:cNvPr>
@@ -20080,7 +21346,7 @@
           <p:cNvPr id="6" name="Rectangle 5">
             <a:extLst>
               <a:ext uri="{FF2B5EF4-FFF2-40B4-BE49-F238E27FC236}">
-                <a16:creationId xmlns:a16="http://schemas.microsoft.com/office/drawing/2014/main" id="{8825E455-D545-9408-95EE-6339E7D4E11F}"/>
+                <a16:creationId xmlns:a16="http://schemas.microsoft.com/office/drawing/2014/main" id="{1705A2AC-8336-204C-9F9B-75B5158F95BE}"/>
               </a:ext>
             </a:extLst>
           </p:cNvPr>
@@ -20132,7 +21398,7 @@
           <p:cNvPr id="5" name="Straight Connector 4">
             <a:extLst>
               <a:ext uri="{FF2B5EF4-FFF2-40B4-BE49-F238E27FC236}">
-                <a16:creationId xmlns:a16="http://schemas.microsoft.com/office/drawing/2014/main" id="{44EB1972-A3C9-6302-749B-1625930F1593}"/>
+                <a16:creationId xmlns:a16="http://schemas.microsoft.com/office/drawing/2014/main" id="{2C01F933-8DEC-34E3-E35E-5155B39B8701}"/>
               </a:ext>
             </a:extLst>
           </p:cNvPr>
@@ -20178,7 +21444,7 @@
           <p:cNvPr id="17" name="Date Placeholder 16">
             <a:extLst>
               <a:ext uri="{FF2B5EF4-FFF2-40B4-BE49-F238E27FC236}">
-                <a16:creationId xmlns:a16="http://schemas.microsoft.com/office/drawing/2014/main" id="{880A3791-CA6D-6C49-9727-21EDC4A1FF87}"/>
+                <a16:creationId xmlns:a16="http://schemas.microsoft.com/office/drawing/2014/main" id="{AA780AFA-EB8E-EA29-BE1A-81D7751934AE}"/>
               </a:ext>
             </a:extLst>
           </p:cNvPr>
@@ -20215,7 +21481,7 @@
           <p:cNvPr id="18" name="Slide Number Placeholder 17">
             <a:extLst>
               <a:ext uri="{FF2B5EF4-FFF2-40B4-BE49-F238E27FC236}">
-                <a16:creationId xmlns:a16="http://schemas.microsoft.com/office/drawing/2014/main" id="{153D84A6-A93C-285F-8C5F-F2326EAFDD38}"/>
+                <a16:creationId xmlns:a16="http://schemas.microsoft.com/office/drawing/2014/main" id="{4AB983BC-76EB-DA2B-BBCB-1F9D94BD73F0}"/>
               </a:ext>
             </a:extLst>
           </p:cNvPr>
@@ -20237,7 +21503,7 @@
                   <a:schemeClr val="tx1"/>
                 </a:solidFill>
               </a:rPr>
-              <a:t>2</a:t>
+              <a:t>21</a:t>
             </a:fld>
             <a:endParaRPr lang="en-IN" dirty="0">
               <a:solidFill>
@@ -20249,158 +21515,10 @@
       </p:sp>
       <p:sp>
         <p:nvSpPr>
-          <p:cNvPr id="9" name="TextBox 8">
-            <a:extLst>
-              <a:ext uri="{FF2B5EF4-FFF2-40B4-BE49-F238E27FC236}">
-                <a16:creationId xmlns:a16="http://schemas.microsoft.com/office/drawing/2014/main" id="{399AF160-9336-083D-048B-8BC6BEAC8A7F}"/>
-              </a:ext>
-            </a:extLst>
-          </p:cNvPr>
-          <p:cNvSpPr txBox="1"/>
-          <p:nvPr/>
-        </p:nvSpPr>
-        <p:spPr>
-          <a:xfrm>
-            <a:off x="6737555" y="1225214"/>
-            <a:ext cx="5080819" cy="2862322"/>
-          </a:xfrm>
-          <a:prstGeom prst="rect">
-            <a:avLst/>
-          </a:prstGeom>
-          <a:noFill/>
-        </p:spPr>
-        <p:txBody>
-          <a:bodyPr wrap="square">
-            <a:spAutoFit/>
-          </a:bodyPr>
-          <a:lstStyle/>
-          <a:p>
-            <a:pPr lvl="0">
-              <a:lnSpc>
-                <a:spcPct val="100000"/>
-              </a:lnSpc>
-              <a:spcAft>
-                <a:spcPts val="800"/>
-              </a:spcAft>
-            </a:pPr>
-            <a:r>
-              <a:rPr lang="en-GB" sz="2000" kern="100" dirty="0">
-                <a:ea typeface="Aptos" panose="020B0004020202020204" pitchFamily="34" charset="0"/>
-                <a:cs typeface="Times New Roman" panose="02020603050405020304" pitchFamily="18" charset="0"/>
-              </a:rPr>
-              <a:t>9. Logistics and Transformation</a:t>
-            </a:r>
-          </a:p>
-          <a:p>
-            <a:pPr lvl="0">
-              <a:lnSpc>
-                <a:spcPct val="100000"/>
-              </a:lnSpc>
-              <a:spcAft>
-                <a:spcPts val="800"/>
-              </a:spcAft>
-            </a:pPr>
-            <a:r>
-              <a:rPr lang="en-GB" sz="2000" kern="100" dirty="0">
-                <a:ea typeface="Aptos" panose="020B0004020202020204" pitchFamily="34" charset="0"/>
-                <a:cs typeface="Times New Roman" panose="02020603050405020304" pitchFamily="18" charset="0"/>
-              </a:rPr>
-              <a:t>10. Profitability Analysis</a:t>
-            </a:r>
-          </a:p>
-          <a:p>
-            <a:pPr lvl="0">
-              <a:lnSpc>
-                <a:spcPct val="100000"/>
-              </a:lnSpc>
-              <a:spcAft>
-                <a:spcPts val="800"/>
-              </a:spcAft>
-            </a:pPr>
-            <a:r>
-              <a:rPr lang="en-GB" sz="2000" kern="100" dirty="0">
-                <a:ea typeface="Aptos" panose="020B0004020202020204" pitchFamily="34" charset="0"/>
-                <a:cs typeface="Times New Roman" panose="02020603050405020304" pitchFamily="18" charset="0"/>
-              </a:rPr>
-              <a:t>11. Results</a:t>
-            </a:r>
-          </a:p>
-          <a:p>
-            <a:pPr lvl="0">
-              <a:lnSpc>
-                <a:spcPct val="100000"/>
-              </a:lnSpc>
-              <a:spcAft>
-                <a:spcPts val="800"/>
-              </a:spcAft>
-            </a:pPr>
-            <a:r>
-              <a:rPr lang="en-GB" sz="2000" kern="100" dirty="0">
-                <a:ea typeface="Aptos" panose="020B0004020202020204" pitchFamily="34" charset="0"/>
-                <a:cs typeface="Times New Roman" panose="02020603050405020304" pitchFamily="18" charset="0"/>
-              </a:rPr>
-              <a:t>12. Long Term Strategy</a:t>
-            </a:r>
-          </a:p>
-          <a:p>
-            <a:pPr lvl="0">
-              <a:lnSpc>
-                <a:spcPct val="100000"/>
-              </a:lnSpc>
-              <a:spcAft>
-                <a:spcPts val="800"/>
-              </a:spcAft>
-            </a:pPr>
-            <a:r>
-              <a:rPr lang="en-GB" sz="2000" kern="100" dirty="0">
-                <a:ea typeface="Aptos" panose="020B0004020202020204" pitchFamily="34" charset="0"/>
-                <a:cs typeface="Times New Roman" panose="02020603050405020304" pitchFamily="18" charset="0"/>
-              </a:rPr>
-              <a:t>13. Barriers and Obstacles</a:t>
-            </a:r>
-          </a:p>
-          <a:p>
-            <a:pPr lvl="0">
-              <a:lnSpc>
-                <a:spcPct val="100000"/>
-              </a:lnSpc>
-              <a:spcAft>
-                <a:spcPts val="800"/>
-              </a:spcAft>
-            </a:pPr>
-            <a:r>
-              <a:rPr lang="en-GB" sz="2000" kern="100" dirty="0">
-                <a:ea typeface="Aptos" panose="020B0004020202020204" pitchFamily="34" charset="0"/>
-                <a:cs typeface="Times New Roman" panose="02020603050405020304" pitchFamily="18" charset="0"/>
-              </a:rPr>
-              <a:t>14. Conclusion</a:t>
-            </a:r>
-          </a:p>
-          <a:p>
-            <a:pPr lvl="0">
-              <a:lnSpc>
-                <a:spcPct val="100000"/>
-              </a:lnSpc>
-              <a:spcAft>
-                <a:spcPts val="800"/>
-              </a:spcAft>
-            </a:pPr>
-            <a:r>
-              <a:rPr lang="en-GB" sz="2000" kern="100" dirty="0">
-                <a:ea typeface="Aptos" panose="020B0004020202020204" pitchFamily="34" charset="0"/>
-                <a:cs typeface="Times New Roman" panose="02020603050405020304" pitchFamily="18" charset="0"/>
-              </a:rPr>
-              <a:t>15. References</a:t>
-            </a:r>
-          </a:p>
-        </p:txBody>
-      </p:sp>
-      <p:sp>
-        <p:nvSpPr>
           <p:cNvPr id="12" name="Footer Placeholder 1">
             <a:extLst>
               <a:ext uri="{FF2B5EF4-FFF2-40B4-BE49-F238E27FC236}">
-                <a16:creationId xmlns:a16="http://schemas.microsoft.com/office/drawing/2014/main" id="{25B02EB2-6683-5688-019A-A50FB25F714C}"/>
+                <a16:creationId xmlns:a16="http://schemas.microsoft.com/office/drawing/2014/main" id="{7A1EED6C-5232-4E94-9645-21F6D968F1B3}"/>
               </a:ext>
             </a:extLst>
           </p:cNvPr>
@@ -20437,10 +21555,35 @@
           </a:p>
         </p:txBody>
       </p:sp>
+      <p:sp>
+        <p:nvSpPr>
+          <p:cNvPr id="8" name="Content Placeholder 7">
+            <a:extLst>
+              <a:ext uri="{FF2B5EF4-FFF2-40B4-BE49-F238E27FC236}">
+                <a16:creationId xmlns:a16="http://schemas.microsoft.com/office/drawing/2014/main" id="{30F9B3C5-235C-486C-5515-8A25687657C4}"/>
+              </a:ext>
+            </a:extLst>
+          </p:cNvPr>
+          <p:cNvSpPr>
+            <a:spLocks noGrp="1"/>
+          </p:cNvSpPr>
+          <p:nvPr>
+            <p:ph idx="1"/>
+          </p:nvPr>
+        </p:nvSpPr>
+        <p:spPr/>
+        <p:txBody>
+          <a:bodyPr/>
+          <a:lstStyle/>
+          <a:p>
+            <a:endParaRPr lang="en-IN"/>
+          </a:p>
+        </p:txBody>
+      </p:sp>
     </p:spTree>
     <p:extLst>
       <p:ext uri="{BB962C8B-B14F-4D97-AF65-F5344CB8AC3E}">
-        <p14:creationId xmlns:p14="http://schemas.microsoft.com/office/powerpoint/2010/main" val="4238653939"/>
+        <p14:creationId xmlns:p14="http://schemas.microsoft.com/office/powerpoint/2010/main" val="1251724880"/>
       </p:ext>
     </p:extLst>
   </p:cSld>
@@ -21489,36 +22632,383 @@
           </a:p>
         </p:txBody>
       </p:sp>
-      <p:sp>
-        <p:nvSpPr>
-          <p:cNvPr id="8" name="Content Placeholder 7">
-            <a:extLst>
-              <a:ext uri="{FF2B5EF4-FFF2-40B4-BE49-F238E27FC236}">
-                <a16:creationId xmlns:a16="http://schemas.microsoft.com/office/drawing/2014/main" id="{1F090C11-5AB3-73A0-6AA8-59F1AB8FFAE5}"/>
-              </a:ext>
-            </a:extLst>
-          </p:cNvPr>
-          <p:cNvSpPr>
-            <a:spLocks noGrp="1"/>
-          </p:cNvSpPr>
-          <p:nvPr>
-            <p:ph idx="1"/>
-          </p:nvPr>
-        </p:nvSpPr>
-        <p:spPr>
-          <a:xfrm>
-            <a:off x="790073" y="1424572"/>
-            <a:ext cx="10515600" cy="4351338"/>
-          </a:xfrm>
-        </p:spPr>
-        <p:txBody>
-          <a:bodyPr/>
-          <a:lstStyle/>
-          <a:p>
-            <a:endParaRPr lang="en-IN"/>
-          </a:p>
-        </p:txBody>
-      </p:sp>
+      <mc:AlternateContent xmlns:mc="http://schemas.openxmlformats.org/markup-compatibility/2006">
+        <mc:Choice xmlns:a14="http://schemas.microsoft.com/office/drawing/2010/main" Requires="a14">
+          <p:sp>
+            <p:nvSpPr>
+              <p:cNvPr id="8" name="Content Placeholder 7">
+                <a:extLst>
+                  <a:ext uri="{FF2B5EF4-FFF2-40B4-BE49-F238E27FC236}">
+                    <a16:creationId xmlns:a16="http://schemas.microsoft.com/office/drawing/2014/main" id="{1F090C11-5AB3-73A0-6AA8-59F1AB8FFAE5}"/>
+                  </a:ext>
+                </a:extLst>
+              </p:cNvPr>
+              <p:cNvSpPr>
+                <a:spLocks noGrp="1"/>
+              </p:cNvSpPr>
+              <p:nvPr>
+                <p:ph idx="1"/>
+              </p:nvPr>
+            </p:nvSpPr>
+            <p:spPr>
+              <a:xfrm>
+                <a:off x="790073" y="1424571"/>
+                <a:ext cx="10515600" cy="4724301"/>
+              </a:xfrm>
+            </p:spPr>
+            <p:txBody>
+              <a:bodyPr>
+                <a:normAutofit fontScale="92500" lnSpcReduction="20000"/>
+              </a:bodyPr>
+              <a:lstStyle/>
+              <a:p>
+                <a:pPr marL="0" indent="0">
+                  <a:buNone/>
+                </a:pPr>
+                <a:r>
+                  <a:rPr lang="en-IN" sz="2400" b="1" dirty="0"/>
+                  <a:t>Guidelines for micro siting of wind turbine:</a:t>
+                </a:r>
+              </a:p>
+              <a:p>
+                <a:pPr marL="0" indent="0">
+                  <a:buNone/>
+                </a:pPr>
+                <a:endParaRPr lang="en-IN" sz="2400" b="1" dirty="0"/>
+              </a:p>
+              <a:p>
+                <a:pPr>
+                  <a:lnSpc>
+                    <a:spcPct val="150000"/>
+                  </a:lnSpc>
+                  <a:buFont typeface="Wingdings" panose="05000000000000000000" pitchFamily="2" charset="2"/>
+                  <a:buChar char="Ø"/>
+                </a:pPr>
+                <a:r>
+                  <a:rPr lang="en-IN" sz="2000" dirty="0">
+                    <a:ea typeface="Aptos" panose="020B0004020202020204" pitchFamily="34" charset="0"/>
+                    <a:cs typeface="Arial" panose="020B0604020202020204" pitchFamily="34" charset="0"/>
+                  </a:rPr>
+                  <a:t>M</a:t>
+                </a:r>
+                <a:r>
+                  <a:rPr lang="en-IN" sz="2000" dirty="0">
+                    <a:effectLst/>
+                    <a:ea typeface="Aptos" panose="020B0004020202020204" pitchFamily="34" charset="0"/>
+                    <a:cs typeface="Arial" panose="020B0604020202020204" pitchFamily="34" charset="0"/>
+                  </a:rPr>
+                  <a:t>aintain a distance of </a:t>
+                </a:r>
+                <a14:m>
+                  <m:oMath xmlns:m="http://schemas.openxmlformats.org/officeDocument/2006/math">
+                    <m:r>
+                      <a:rPr lang="en-IN" sz="2000" b="1" i="1">
+                        <a:effectLst/>
+                        <a:ea typeface="Aptos" panose="020B0004020202020204" pitchFamily="34" charset="0"/>
+                        <a:cs typeface="Arial" panose="020B0604020202020204" pitchFamily="34" charset="0"/>
+                      </a:rPr>
+                      <m:t>𝟐</m:t>
+                    </m:r>
+                    <m:r>
+                      <a:rPr lang="en-IN" sz="2000" b="1" i="1">
+                        <a:effectLst/>
+                        <a:ea typeface="Aptos" panose="020B0004020202020204" pitchFamily="34" charset="0"/>
+                        <a:cs typeface="Arial" panose="020B0604020202020204" pitchFamily="34" charset="0"/>
+                      </a:rPr>
+                      <m:t>𝑫</m:t>
+                    </m:r>
+                    <m:r>
+                      <a:rPr lang="en-IN" sz="2000" i="1">
+                        <a:effectLst/>
+                        <a:ea typeface="Aptos" panose="020B0004020202020204" pitchFamily="34" charset="0"/>
+                        <a:cs typeface="Arial" panose="020B0604020202020204" pitchFamily="34" charset="0"/>
+                      </a:rPr>
+                      <m:t>  </m:t>
+                    </m:r>
+                  </m:oMath>
+                </a14:m>
+                <a:r>
+                  <a:rPr lang="en-IN" sz="2000" dirty="0">
+                    <a:effectLst/>
+                    <a:ea typeface="Aptos" panose="020B0004020202020204" pitchFamily="34" charset="0"/>
+                    <a:cs typeface="Arial" panose="020B0604020202020204" pitchFamily="34" charset="0"/>
+                  </a:rPr>
+                  <a:t>(D-Rotor Diameter) distance perpendicular to the predominant wind direction and </a:t>
+                </a:r>
+                <a14:m>
+                  <m:oMath xmlns:m="http://schemas.openxmlformats.org/officeDocument/2006/math">
+                    <m:r>
+                      <a:rPr lang="en-IN" sz="2000" b="1" i="1">
+                        <a:effectLst/>
+                        <a:ea typeface="Aptos" panose="020B0004020202020204" pitchFamily="34" charset="0"/>
+                        <a:cs typeface="Arial" panose="020B0604020202020204" pitchFamily="34" charset="0"/>
+                      </a:rPr>
+                      <m:t>𝟑</m:t>
+                    </m:r>
+                    <m:r>
+                      <a:rPr lang="en-IN" sz="2000" b="1" i="1">
+                        <a:effectLst/>
+                        <a:ea typeface="Aptos" panose="020B0004020202020204" pitchFamily="34" charset="0"/>
+                        <a:cs typeface="Arial" panose="020B0604020202020204" pitchFamily="34" charset="0"/>
+                      </a:rPr>
+                      <m:t>𝑫</m:t>
+                    </m:r>
+                  </m:oMath>
+                </a14:m>
+                <a:r>
+                  <a:rPr lang="en-IN" sz="2000" dirty="0">
+                    <a:effectLst/>
+                    <a:ea typeface="Times New Roman" panose="02020603050405020304" pitchFamily="18" charset="0"/>
+                    <a:cs typeface="Arial" panose="020B0604020202020204" pitchFamily="34" charset="0"/>
+                  </a:rPr>
+                  <a:t> </a:t>
+                </a:r>
+                <a:r>
+                  <a:rPr lang="en-IN" sz="2000" dirty="0">
+                    <a:effectLst/>
+                    <a:ea typeface="Aptos" panose="020B0004020202020204" pitchFamily="34" charset="0"/>
+                    <a:cs typeface="Arial" panose="020B0604020202020204" pitchFamily="34" charset="0"/>
+                  </a:rPr>
+                  <a:t>distance in the predominant wind direction </a:t>
+                </a:r>
+              </a:p>
+              <a:p>
+                <a:pPr>
+                  <a:lnSpc>
+                    <a:spcPct val="150000"/>
+                  </a:lnSpc>
+                  <a:buFont typeface="Wingdings" panose="05000000000000000000" pitchFamily="2" charset="2"/>
+                  <a:buChar char="Ø"/>
+                </a:pPr>
+                <a:r>
+                  <a:rPr lang="en-IN" sz="2000" dirty="0">
+                    <a:ea typeface="Aptos" panose="020B0004020202020204" pitchFamily="34" charset="0"/>
+                    <a:cs typeface="Arial" panose="020B0604020202020204" pitchFamily="34" charset="0"/>
+                  </a:rPr>
+                  <a:t>M</a:t>
+                </a:r>
+                <a:r>
+                  <a:rPr lang="en-IN" sz="2000" dirty="0">
+                    <a:effectLst/>
+                    <a:ea typeface="Aptos" panose="020B0004020202020204" pitchFamily="34" charset="0"/>
+                    <a:cs typeface="Arial" panose="020B0604020202020204" pitchFamily="34" charset="0"/>
+                  </a:rPr>
+                  <a:t>aintain a distance of </a:t>
+                </a:r>
+                <a14:m>
+                  <m:oMath xmlns:m="http://schemas.openxmlformats.org/officeDocument/2006/math">
+                    <m:r>
+                      <a:rPr lang="en-IN" sz="2000" b="1" i="1">
+                        <a:effectLst/>
+                        <a:ea typeface="Aptos" panose="020B0004020202020204" pitchFamily="34" charset="0"/>
+                        <a:cs typeface="Arial" panose="020B0604020202020204" pitchFamily="34" charset="0"/>
+                      </a:rPr>
+                      <m:t>𝑯𝑯</m:t>
+                    </m:r>
+                    <m:r>
+                      <a:rPr lang="en-IN" sz="2000" b="1" i="1">
+                        <a:effectLst/>
+                        <a:ea typeface="Aptos" panose="020B0004020202020204" pitchFamily="34" charset="0"/>
+                        <a:cs typeface="Arial" panose="020B0604020202020204" pitchFamily="34" charset="0"/>
+                      </a:rPr>
+                      <m:t>+</m:t>
+                    </m:r>
+                    <m:r>
+                      <a:rPr lang="en-IN" sz="2000" b="1" i="1">
+                        <a:effectLst/>
+                        <a:ea typeface="Aptos" panose="020B0004020202020204" pitchFamily="34" charset="0"/>
+                        <a:cs typeface="Arial" panose="020B0604020202020204" pitchFamily="34" charset="0"/>
+                      </a:rPr>
+                      <m:t>𝟎</m:t>
+                    </m:r>
+                    <m:r>
+                      <a:rPr lang="en-IN" sz="2000" b="1" i="1">
+                        <a:effectLst/>
+                        <a:ea typeface="Aptos" panose="020B0004020202020204" pitchFamily="34" charset="0"/>
+                        <a:cs typeface="Arial" panose="020B0604020202020204" pitchFamily="34" charset="0"/>
+                      </a:rPr>
+                      <m:t>.</m:t>
+                    </m:r>
+                    <m:r>
+                      <a:rPr lang="en-IN" sz="2000" b="1" i="1">
+                        <a:effectLst/>
+                        <a:ea typeface="Aptos" panose="020B0004020202020204" pitchFamily="34" charset="0"/>
+                        <a:cs typeface="Arial" panose="020B0604020202020204" pitchFamily="34" charset="0"/>
+                      </a:rPr>
+                      <m:t>𝟓</m:t>
+                    </m:r>
+                    <m:r>
+                      <a:rPr lang="en-IN" sz="2000" b="1" i="1">
+                        <a:effectLst/>
+                        <a:ea typeface="Aptos" panose="020B0004020202020204" pitchFamily="34" charset="0"/>
+                        <a:cs typeface="Arial" panose="020B0604020202020204" pitchFamily="34" charset="0"/>
+                      </a:rPr>
+                      <m:t>∙</m:t>
+                    </m:r>
+                    <m:r>
+                      <a:rPr lang="en-IN" sz="2000" b="1" i="1">
+                        <a:effectLst/>
+                        <a:ea typeface="Aptos" panose="020B0004020202020204" pitchFamily="34" charset="0"/>
+                        <a:cs typeface="Arial" panose="020B0604020202020204" pitchFamily="34" charset="0"/>
+                      </a:rPr>
+                      <m:t>𝑹𝑫</m:t>
+                    </m:r>
+                    <m:r>
+                      <a:rPr lang="en-IN" sz="2000" b="1" i="1">
+                        <a:effectLst/>
+                        <a:ea typeface="Aptos" panose="020B0004020202020204" pitchFamily="34" charset="0"/>
+                        <a:cs typeface="Arial" panose="020B0604020202020204" pitchFamily="34" charset="0"/>
+                      </a:rPr>
+                      <m:t>+</m:t>
+                    </m:r>
+                    <m:r>
+                      <a:rPr lang="en-IN" sz="2000" b="1" i="1">
+                        <a:effectLst/>
+                        <a:ea typeface="Aptos" panose="020B0004020202020204" pitchFamily="34" charset="0"/>
+                        <a:cs typeface="Arial" panose="020B0604020202020204" pitchFamily="34" charset="0"/>
+                      </a:rPr>
+                      <m:t>𝟓</m:t>
+                    </m:r>
+                    <m:r>
+                      <a:rPr lang="en-IN" sz="2000" b="1" i="1">
+                        <a:effectLst/>
+                        <a:ea typeface="Aptos" panose="020B0004020202020204" pitchFamily="34" charset="0"/>
+                        <a:cs typeface="Arial" panose="020B0604020202020204" pitchFamily="34" charset="0"/>
+                      </a:rPr>
+                      <m:t>𝒎</m:t>
+                    </m:r>
+                    <m:r>
+                      <a:rPr lang="en-IN" sz="2000" i="1">
+                        <a:effectLst/>
+                        <a:ea typeface="Aptos" panose="020B0004020202020204" pitchFamily="34" charset="0"/>
+                        <a:cs typeface="Arial" panose="020B0604020202020204" pitchFamily="34" charset="0"/>
+                      </a:rPr>
+                      <m:t> </m:t>
+                    </m:r>
+                  </m:oMath>
+                </a14:m>
+                <a:r>
+                  <a:rPr lang="en-IN" sz="2000" dirty="0">
+                    <a:effectLst/>
+                    <a:ea typeface="Aptos" panose="020B0004020202020204" pitchFamily="34" charset="0"/>
+                    <a:cs typeface="Arial" panose="020B0604020202020204" pitchFamily="34" charset="0"/>
+                  </a:rPr>
+                  <a:t>(Hub Height+ Half Rotor Diameter +5 meters) from Public Roads, railway tracks, highways, buildings, public institutions and EHV lines</a:t>
+                </a:r>
+              </a:p>
+              <a:p>
+                <a:pPr>
+                  <a:lnSpc>
+                    <a:spcPct val="150000"/>
+                  </a:lnSpc>
+                  <a:buFont typeface="Wingdings" panose="05000000000000000000" pitchFamily="2" charset="2"/>
+                  <a:buChar char="Ø"/>
+                </a:pPr>
+                <a:r>
+                  <a:rPr lang="en-IN" sz="2000" dirty="0">
+                    <a:effectLst/>
+                    <a:ea typeface="Aptos" panose="020B0004020202020204" pitchFamily="34" charset="0"/>
+                    <a:cs typeface="Arial" panose="020B0604020202020204" pitchFamily="34" charset="0"/>
+                  </a:rPr>
+                  <a:t>Application for Hazardous Waste (Grease, Coolant oil and Lubricating oil) Authorisation</a:t>
+                </a:r>
+                <a:endParaRPr lang="en-IN" sz="2000" dirty="0">
+                  <a:ea typeface="Aptos" panose="020B0004020202020204" pitchFamily="34" charset="0"/>
+                  <a:cs typeface="Arial" panose="020B0604020202020204" pitchFamily="34" charset="0"/>
+                </a:endParaRPr>
+              </a:p>
+              <a:p>
+                <a:pPr>
+                  <a:lnSpc>
+                    <a:spcPct val="150000"/>
+                  </a:lnSpc>
+                  <a:buFont typeface="Wingdings" panose="05000000000000000000" pitchFamily="2" charset="2"/>
+                  <a:buChar char="Ø"/>
+                </a:pPr>
+                <a:r>
+                  <a:rPr lang="en-IN" sz="2000" dirty="0"/>
+                  <a:t>Permission for forest department</a:t>
+                </a:r>
+              </a:p>
+              <a:p>
+                <a:pPr>
+                  <a:lnSpc>
+                    <a:spcPct val="150000"/>
+                  </a:lnSpc>
+                  <a:buFont typeface="Wingdings" panose="05000000000000000000" pitchFamily="2" charset="2"/>
+                  <a:buChar char="Ø"/>
+                </a:pPr>
+                <a:r>
+                  <a:rPr lang="en-IN" sz="2000" dirty="0"/>
+                  <a:t>Eco-Sensitive zones (wildlife sanctuaries)</a:t>
+                </a:r>
+              </a:p>
+              <a:p>
+                <a:pPr>
+                  <a:lnSpc>
+                    <a:spcPct val="150000"/>
+                  </a:lnSpc>
+                  <a:buFont typeface="Wingdings" panose="05000000000000000000" pitchFamily="2" charset="2"/>
+                  <a:buChar char="Ø"/>
+                </a:pPr>
+                <a:r>
+                  <a:rPr lang="en-IN" sz="2000" dirty="0"/>
+                  <a:t>NOC from Airport authority of India and Ministry of defence</a:t>
+                </a:r>
+              </a:p>
+              <a:p>
+                <a:pPr marL="0" indent="0">
+                  <a:buNone/>
+                </a:pPr>
+                <a:endParaRPr lang="en-IN" sz="2000" dirty="0"/>
+              </a:p>
+            </p:txBody>
+          </p:sp>
+        </mc:Choice>
+        <mc:Fallback>
+          <p:sp>
+            <p:nvSpPr>
+              <p:cNvPr id="8" name="Content Placeholder 7">
+                <a:extLst>
+                  <a:ext uri="{FF2B5EF4-FFF2-40B4-BE49-F238E27FC236}">
+                    <a16:creationId xmlns:a16="http://schemas.microsoft.com/office/drawing/2014/main" id="{1F090C11-5AB3-73A0-6AA8-59F1AB8FFAE5}"/>
+                  </a:ext>
+                </a:extLst>
+              </p:cNvPr>
+              <p:cNvSpPr>
+                <a:spLocks noGrp="1" noRot="1" noChangeAspect="1" noMove="1" noResize="1" noEditPoints="1" noAdjustHandles="1" noChangeArrowheads="1" noChangeShapeType="1" noTextEdit="1"/>
+              </p:cNvSpPr>
+              <p:nvPr>
+                <p:ph idx="1"/>
+              </p:nvPr>
+            </p:nvSpPr>
+            <p:spPr>
+              <a:xfrm>
+                <a:off x="790073" y="1424571"/>
+                <a:ext cx="10515600" cy="4724301"/>
+              </a:xfrm>
+              <a:blipFill>
+                <a:blip r:embed="rId4"/>
+                <a:stretch>
+                  <a:fillRect l="-754" t="-2710" r="-986"/>
+                </a:stretch>
+              </a:blipFill>
+            </p:spPr>
+            <p:txBody>
+              <a:bodyPr/>
+              <a:lstStyle/>
+              <a:p>
+                <a:r>
+                  <a:rPr lang="en-IN">
+                    <a:noFill/>
+                  </a:rPr>
+                  <a:t> </a:t>
+                </a:r>
+              </a:p>
+            </p:txBody>
+          </p:sp>
+        </mc:Fallback>
+      </mc:AlternateContent>
     </p:spTree>
     <p:extLst>
       <p:ext uri="{BB962C8B-B14F-4D97-AF65-F5344CB8AC3E}">
@@ -22034,14 +23524,14 @@
           <p:nvPr>
             <p:extLst>
               <p:ext uri="{D42A27DB-BD31-4B8C-83A1-F6EECF244321}">
-                <p14:modId xmlns:p14="http://schemas.microsoft.com/office/powerpoint/2010/main" val="371587991"/>
+                <p14:modId xmlns:p14="http://schemas.microsoft.com/office/powerpoint/2010/main" val="1089880499"/>
               </p:ext>
             </p:extLst>
           </p:nvPr>
         </p:nvGraphicFramePr>
         <p:xfrm>
-          <a:off x="6561253" y="3687119"/>
-          <a:ext cx="5455256" cy="2150264"/>
+          <a:off x="6251510" y="3687119"/>
+          <a:ext cx="5764999" cy="2387112"/>
         </p:xfrm>
         <a:graphic>
           <a:graphicData uri="http://schemas.openxmlformats.org/drawingml/2006/table">
@@ -22050,14 +23540,14 @@
                 <a:tableStyleId>{FABFCF23-3B69-468F-B69F-88F6DE6A72F2}</a:tableStyleId>
               </a:tblPr>
               <a:tblGrid>
-                <a:gridCol w="2727174">
+                <a:gridCol w="2882020">
                   <a:extLst>
                     <a:ext uri="{9D8B030D-6E8A-4147-A177-3AD203B41FA5}">
                       <a16:colId xmlns:a16="http://schemas.microsoft.com/office/drawing/2014/main" val="1260286497"/>
                     </a:ext>
                   </a:extLst>
                 </a:gridCol>
-                <a:gridCol w="2728082">
+                <a:gridCol w="2882979">
                   <a:extLst>
                     <a:ext uri="{9D8B030D-6E8A-4147-A177-3AD203B41FA5}">
                       <a16:colId xmlns:a16="http://schemas.microsoft.com/office/drawing/2014/main" val="397678053"/>
@@ -22065,7 +23555,7 @@
                   </a:extLst>
                 </a:gridCol>
               </a:tblGrid>
-              <a:tr h="268783">
+              <a:tr h="298389">
                 <a:tc>
                   <a:txBody>
                     <a:bodyPr/>
@@ -22136,7 +23626,7 @@
                   </a:ext>
                 </a:extLst>
               </a:tr>
-              <a:tr h="268783">
+              <a:tr h="298389">
                 <a:tc>
                   <a:txBody>
                     <a:bodyPr/>
@@ -22154,12 +23644,12 @@
                         </a:spcAft>
                       </a:pPr>
                       <a:r>
-                        <a:rPr lang="en-IN" sz="1200" kern="100">
+                        <a:rPr lang="en-IN" sz="1200" kern="100" dirty="0">
                           <a:effectLst/>
                         </a:rPr>
                         <a:t>Buildings</a:t>
                       </a:r>
-                      <a:endParaRPr lang="en-IN" sz="1200" kern="100">
+                      <a:endParaRPr lang="en-IN" sz="1200" kern="100" dirty="0">
                         <a:effectLst/>
                         <a:latin typeface="Calibri" panose="020F0502020204030204" pitchFamily="34" charset="0"/>
                         <a:ea typeface="Aptos" panose="020B0004020202020204" pitchFamily="34" charset="0"/>
@@ -22207,7 +23697,7 @@
                   </a:ext>
                 </a:extLst>
               </a:tr>
-              <a:tr h="268783">
+              <a:tr h="298389">
                 <a:tc>
                   <a:txBody>
                     <a:bodyPr/>
@@ -22278,7 +23768,7 @@
                   </a:ext>
                 </a:extLst>
               </a:tr>
-              <a:tr h="268783">
+              <a:tr h="298389">
                 <a:tc>
                   <a:txBody>
                     <a:bodyPr/>
@@ -22349,7 +23839,7 @@
                   </a:ext>
                 </a:extLst>
               </a:tr>
-              <a:tr h="268783">
+              <a:tr h="298389">
                 <a:tc>
                   <a:txBody>
                     <a:bodyPr/>
@@ -22420,7 +23910,7 @@
                   </a:ext>
                 </a:extLst>
               </a:tr>
-              <a:tr h="268783">
+              <a:tr h="298389">
                 <a:tc>
                   <a:txBody>
                     <a:bodyPr/>
@@ -22491,7 +23981,7 @@
                   </a:ext>
                 </a:extLst>
               </a:tr>
-              <a:tr h="268783">
+              <a:tr h="298389">
                 <a:tc>
                   <a:txBody>
                     <a:bodyPr/>
@@ -22562,7 +24052,7 @@
                   </a:ext>
                 </a:extLst>
               </a:tr>
-              <a:tr h="268783">
+              <a:tr h="298389">
                 <a:tc>
                   <a:txBody>
                     <a:bodyPr/>
@@ -22658,7 +24148,7 @@
         <p:cNvPr id="1" name="">
           <a:extLst>
             <a:ext uri="{FF2B5EF4-FFF2-40B4-BE49-F238E27FC236}">
-              <a16:creationId xmlns:a16="http://schemas.microsoft.com/office/drawing/2014/main" id="{8CDEFD0D-FA99-9024-572B-9D26F96AC150}"/>
+              <a16:creationId xmlns:a16="http://schemas.microsoft.com/office/drawing/2014/main" id="{3399A7D8-3642-24EB-5750-26E1F8038192}"/>
             </a:ext>
           </a:extLst>
         </p:cNvPr>
@@ -22678,7 +24168,7 @@
           <p:cNvPr id="2" name="Title 1">
             <a:extLst>
               <a:ext uri="{FF2B5EF4-FFF2-40B4-BE49-F238E27FC236}">
-                <a16:creationId xmlns:a16="http://schemas.microsoft.com/office/drawing/2014/main" id="{50D95DF4-4BB3-3623-5427-401743FFA3F3}"/>
+                <a16:creationId xmlns:a16="http://schemas.microsoft.com/office/drawing/2014/main" id="{CCBADE9D-4B8A-AE6C-4F4C-11A064A07459}"/>
               </a:ext>
             </a:extLst>
           </p:cNvPr>
@@ -22710,7 +24200,7 @@
                   </a:schemeClr>
                 </a:solidFill>
               </a:rPr>
-              <a:t>4. Grid Infrastructure and Cable Routing</a:t>
+              <a:t>3. Wind Area Selection</a:t>
             </a:r>
             <a:endParaRPr lang="en-IN" sz="2800" b="1" dirty="0">
               <a:solidFill>
@@ -22727,7 +24217,7 @@
           <p:cNvPr id="7" name="Picture 6">
             <a:extLst>
               <a:ext uri="{FF2B5EF4-FFF2-40B4-BE49-F238E27FC236}">
-                <a16:creationId xmlns:a16="http://schemas.microsoft.com/office/drawing/2014/main" id="{F6AF287A-30EF-CB3A-7157-C5CA3BF3509C}"/>
+                <a16:creationId xmlns:a16="http://schemas.microsoft.com/office/drawing/2014/main" id="{A10DB61B-5541-4280-FCAF-7588C6BB7886}"/>
               </a:ext>
             </a:extLst>
           </p:cNvPr>
@@ -22762,7 +24252,7 @@
           <p:cNvPr id="10" name="Picture 9" descr="A logo with blue and black text&#10;&#10;Description automatically generated">
             <a:extLst>
               <a:ext uri="{FF2B5EF4-FFF2-40B4-BE49-F238E27FC236}">
-                <a16:creationId xmlns:a16="http://schemas.microsoft.com/office/drawing/2014/main" id="{99447A9B-75D3-7FC1-0DCF-760429514684}"/>
+                <a16:creationId xmlns:a16="http://schemas.microsoft.com/office/drawing/2014/main" id="{E5E200E2-479D-9000-68E9-CDFD6BDCD96D}"/>
               </a:ext>
             </a:extLst>
           </p:cNvPr>
@@ -22798,7 +24288,7 @@
           <p:cNvPr id="6" name="Rectangle 5">
             <a:extLst>
               <a:ext uri="{FF2B5EF4-FFF2-40B4-BE49-F238E27FC236}">
-                <a16:creationId xmlns:a16="http://schemas.microsoft.com/office/drawing/2014/main" id="{84C592EA-955B-7542-0B1B-8D57645D9453}"/>
+                <a16:creationId xmlns:a16="http://schemas.microsoft.com/office/drawing/2014/main" id="{C6BA0BA4-7C02-B107-0A64-936349AD7082}"/>
               </a:ext>
             </a:extLst>
           </p:cNvPr>
@@ -22850,7 +24340,7 @@
           <p:cNvPr id="5" name="Straight Connector 4">
             <a:extLst>
               <a:ext uri="{FF2B5EF4-FFF2-40B4-BE49-F238E27FC236}">
-                <a16:creationId xmlns:a16="http://schemas.microsoft.com/office/drawing/2014/main" id="{E375A4CF-EF65-A63F-AF60-0ED26FA438FB}"/>
+                <a16:creationId xmlns:a16="http://schemas.microsoft.com/office/drawing/2014/main" id="{E47E3133-B36E-D9F1-BD7C-FBF53C69E838}"/>
               </a:ext>
             </a:extLst>
           </p:cNvPr>
@@ -22896,7 +24386,7 @@
           <p:cNvPr id="17" name="Date Placeholder 16">
             <a:extLst>
               <a:ext uri="{FF2B5EF4-FFF2-40B4-BE49-F238E27FC236}">
-                <a16:creationId xmlns:a16="http://schemas.microsoft.com/office/drawing/2014/main" id="{6A128583-D295-3221-42C3-9F781C0F04A8}"/>
+                <a16:creationId xmlns:a16="http://schemas.microsoft.com/office/drawing/2014/main" id="{5C012AD1-C1B2-144C-208B-57EF0042A4A6}"/>
               </a:ext>
             </a:extLst>
           </p:cNvPr>
@@ -22933,7 +24423,7 @@
           <p:cNvPr id="18" name="Slide Number Placeholder 17">
             <a:extLst>
               <a:ext uri="{FF2B5EF4-FFF2-40B4-BE49-F238E27FC236}">
-                <a16:creationId xmlns:a16="http://schemas.microsoft.com/office/drawing/2014/main" id="{BCE1A5D7-1589-780D-FB4E-D1A055F7A139}"/>
+                <a16:creationId xmlns:a16="http://schemas.microsoft.com/office/drawing/2014/main" id="{B24F7769-5EE8-EE99-8207-FE963B0DFA57}"/>
               </a:ext>
             </a:extLst>
           </p:cNvPr>
@@ -22970,7 +24460,7 @@
           <p:cNvPr id="12" name="Footer Placeholder 1">
             <a:extLst>
               <a:ext uri="{FF2B5EF4-FFF2-40B4-BE49-F238E27FC236}">
-                <a16:creationId xmlns:a16="http://schemas.microsoft.com/office/drawing/2014/main" id="{62B1660A-3894-F1BA-706A-325A95F622B9}"/>
+                <a16:creationId xmlns:a16="http://schemas.microsoft.com/office/drawing/2014/main" id="{24BD325E-08C5-1102-31BD-0F8878F7B22D}"/>
               </a:ext>
             </a:extLst>
           </p:cNvPr>
@@ -23007,35 +24497,46 @@
           </a:p>
         </p:txBody>
       </p:sp>
-      <p:sp>
-        <p:nvSpPr>
-          <p:cNvPr id="8" name="Content Placeholder 7">
-            <a:extLst>
-              <a:ext uri="{FF2B5EF4-FFF2-40B4-BE49-F238E27FC236}">
-                <a16:creationId xmlns:a16="http://schemas.microsoft.com/office/drawing/2014/main" id="{BDF23456-65D6-243F-8372-D1AC82D1B855}"/>
-              </a:ext>
-            </a:extLst>
-          </p:cNvPr>
-          <p:cNvSpPr>
-            <a:spLocks noGrp="1"/>
-          </p:cNvSpPr>
-          <p:nvPr>
-            <p:ph idx="1"/>
-          </p:nvPr>
-        </p:nvSpPr>
-        <p:spPr/>
-        <p:txBody>
-          <a:bodyPr/>
-          <a:lstStyle/>
-          <a:p>
-            <a:endParaRPr lang="en-IN"/>
-          </a:p>
-        </p:txBody>
-      </p:sp>
+      <p:pic>
+        <p:nvPicPr>
+          <p:cNvPr id="8" name="Picture 7" descr="A map with a red line&#10;&#10;Description automatically generated">
+            <a:extLst>
+              <a:ext uri="{FF2B5EF4-FFF2-40B4-BE49-F238E27FC236}">
+                <a16:creationId xmlns:a16="http://schemas.microsoft.com/office/drawing/2014/main" id="{4683D387-26FF-0227-FD7A-1BDD0A7362CD}"/>
+              </a:ext>
+            </a:extLst>
+          </p:cNvPr>
+          <p:cNvPicPr>
+            <a:picLocks noChangeAspect="1"/>
+          </p:cNvPicPr>
+          <p:nvPr/>
+        </p:nvPicPr>
+        <p:blipFill>
+          <a:blip r:embed="rId4">
+            <a:extLst>
+              <a:ext uri="{28A0092B-C50C-407E-A947-70E740481C1C}">
+                <a14:useLocalDpi xmlns:a14="http://schemas.microsoft.com/office/drawing/2010/main" val="0"/>
+              </a:ext>
+            </a:extLst>
+          </a:blip>
+          <a:stretch>
+            <a:fillRect/>
+          </a:stretch>
+        </p:blipFill>
+        <p:spPr>
+          <a:xfrm>
+            <a:off x="2799765" y="1398326"/>
+            <a:ext cx="9034562" cy="4517281"/>
+          </a:xfrm>
+          <a:prstGeom prst="rect">
+            <a:avLst/>
+          </a:prstGeom>
+        </p:spPr>
+      </p:pic>
     </p:spTree>
     <p:extLst>
       <p:ext uri="{BB962C8B-B14F-4D97-AF65-F5344CB8AC3E}">
-        <p14:creationId xmlns:p14="http://schemas.microsoft.com/office/powerpoint/2010/main" val="2637496480"/>
+        <p14:creationId xmlns:p14="http://schemas.microsoft.com/office/powerpoint/2010/main" val="1905308938"/>
       </p:ext>
     </p:extLst>
   </p:cSld>
@@ -23053,7 +24554,7 @@
         <p:cNvPr id="1" name="">
           <a:extLst>
             <a:ext uri="{FF2B5EF4-FFF2-40B4-BE49-F238E27FC236}">
-              <a16:creationId xmlns:a16="http://schemas.microsoft.com/office/drawing/2014/main" id="{8025F803-8341-E3E4-C3B4-746630F10CC4}"/>
+              <a16:creationId xmlns:a16="http://schemas.microsoft.com/office/drawing/2014/main" id="{BC3B2DD4-3B15-A61E-833B-F8378BBBBB29}"/>
             </a:ext>
           </a:extLst>
         </p:cNvPr>
@@ -23073,7 +24574,7 @@
           <p:cNvPr id="2" name="Title 1">
             <a:extLst>
               <a:ext uri="{FF2B5EF4-FFF2-40B4-BE49-F238E27FC236}">
-                <a16:creationId xmlns:a16="http://schemas.microsoft.com/office/drawing/2014/main" id="{1D10361A-B497-EBCD-ADB4-345D78C0D055}"/>
+                <a16:creationId xmlns:a16="http://schemas.microsoft.com/office/drawing/2014/main" id="{21B9EBB9-DA68-E748-14AF-E08EC1FE4F4D}"/>
               </a:ext>
             </a:extLst>
           </p:cNvPr>
@@ -23105,7 +24606,7 @@
                   </a:schemeClr>
                 </a:solidFill>
               </a:rPr>
-              <a:t>5. Project Development Timeline</a:t>
+              <a:t>3. Wind Area Selection</a:t>
             </a:r>
             <a:endParaRPr lang="en-IN" sz="2800" b="1" dirty="0">
               <a:solidFill>
@@ -23122,7 +24623,7 @@
           <p:cNvPr id="7" name="Picture 6">
             <a:extLst>
               <a:ext uri="{FF2B5EF4-FFF2-40B4-BE49-F238E27FC236}">
-                <a16:creationId xmlns:a16="http://schemas.microsoft.com/office/drawing/2014/main" id="{27C05E3B-7F71-98E9-364A-418E9DF02F4C}"/>
+                <a16:creationId xmlns:a16="http://schemas.microsoft.com/office/drawing/2014/main" id="{43AB8A41-C8CB-5C8A-65FA-73517803D140}"/>
               </a:ext>
             </a:extLst>
           </p:cNvPr>
@@ -23157,7 +24658,7 @@
           <p:cNvPr id="10" name="Picture 9" descr="A logo with blue and black text&#10;&#10;Description automatically generated">
             <a:extLst>
               <a:ext uri="{FF2B5EF4-FFF2-40B4-BE49-F238E27FC236}">
-                <a16:creationId xmlns:a16="http://schemas.microsoft.com/office/drawing/2014/main" id="{EFFA6B53-284A-73CA-F79D-33F5F90086C5}"/>
+                <a16:creationId xmlns:a16="http://schemas.microsoft.com/office/drawing/2014/main" id="{3F54D6BA-040C-AF45-C390-0DFCA6C7E927}"/>
               </a:ext>
             </a:extLst>
           </p:cNvPr>
@@ -23193,7 +24694,7 @@
           <p:cNvPr id="6" name="Rectangle 5">
             <a:extLst>
               <a:ext uri="{FF2B5EF4-FFF2-40B4-BE49-F238E27FC236}">
-                <a16:creationId xmlns:a16="http://schemas.microsoft.com/office/drawing/2014/main" id="{5BCC29FC-D4F1-32AC-9BA8-673051458B64}"/>
+                <a16:creationId xmlns:a16="http://schemas.microsoft.com/office/drawing/2014/main" id="{845A06F0-5F45-22D0-120E-9B16F9A1EB09}"/>
               </a:ext>
             </a:extLst>
           </p:cNvPr>
@@ -23245,7 +24746,7 @@
           <p:cNvPr id="5" name="Straight Connector 4">
             <a:extLst>
               <a:ext uri="{FF2B5EF4-FFF2-40B4-BE49-F238E27FC236}">
-                <a16:creationId xmlns:a16="http://schemas.microsoft.com/office/drawing/2014/main" id="{FCC25CF3-A4BC-F0C5-263E-2A4293622E7A}"/>
+                <a16:creationId xmlns:a16="http://schemas.microsoft.com/office/drawing/2014/main" id="{3478ED8F-3971-5A25-7F69-0B80DE865987}"/>
               </a:ext>
             </a:extLst>
           </p:cNvPr>
@@ -23291,7 +24792,7 @@
           <p:cNvPr id="17" name="Date Placeholder 16">
             <a:extLst>
               <a:ext uri="{FF2B5EF4-FFF2-40B4-BE49-F238E27FC236}">
-                <a16:creationId xmlns:a16="http://schemas.microsoft.com/office/drawing/2014/main" id="{A5E58D6F-1F4D-3E89-F1AA-50C23CDA623A}"/>
+                <a16:creationId xmlns:a16="http://schemas.microsoft.com/office/drawing/2014/main" id="{B2333A59-9539-A19D-F7B7-1331FE0318C0}"/>
               </a:ext>
             </a:extLst>
           </p:cNvPr>
@@ -23328,7 +24829,7 @@
           <p:cNvPr id="18" name="Slide Number Placeholder 17">
             <a:extLst>
               <a:ext uri="{FF2B5EF4-FFF2-40B4-BE49-F238E27FC236}">
-                <a16:creationId xmlns:a16="http://schemas.microsoft.com/office/drawing/2014/main" id="{0BBCE321-B105-45B9-2969-7AC1A96D89BC}"/>
+                <a16:creationId xmlns:a16="http://schemas.microsoft.com/office/drawing/2014/main" id="{428FC2C2-176F-1759-FBD4-998A6F06D939}"/>
               </a:ext>
             </a:extLst>
           </p:cNvPr>
@@ -23365,7 +24866,7 @@
           <p:cNvPr id="12" name="Footer Placeholder 1">
             <a:extLst>
               <a:ext uri="{FF2B5EF4-FFF2-40B4-BE49-F238E27FC236}">
-                <a16:creationId xmlns:a16="http://schemas.microsoft.com/office/drawing/2014/main" id="{3C610F41-7A99-349A-4C8D-4BBCA888BB01}"/>
+                <a16:creationId xmlns:a16="http://schemas.microsoft.com/office/drawing/2014/main" id="{C63E6AC1-3ACA-548B-B836-961F723E5E62}"/>
               </a:ext>
             </a:extLst>
           </p:cNvPr>
@@ -23402,35 +24903,81 @@
           </a:p>
         </p:txBody>
       </p:sp>
-      <p:sp>
-        <p:nvSpPr>
-          <p:cNvPr id="8" name="Content Placeholder 7">
-            <a:extLst>
-              <a:ext uri="{FF2B5EF4-FFF2-40B4-BE49-F238E27FC236}">
-                <a16:creationId xmlns:a16="http://schemas.microsoft.com/office/drawing/2014/main" id="{BD4ED3EC-E278-55EC-3CC4-5B88DBEF4430}"/>
-              </a:ext>
-            </a:extLst>
-          </p:cNvPr>
-          <p:cNvSpPr>
-            <a:spLocks noGrp="1"/>
-          </p:cNvSpPr>
-          <p:nvPr>
-            <p:ph idx="1"/>
-          </p:nvPr>
-        </p:nvSpPr>
-        <p:spPr/>
-        <p:txBody>
-          <a:bodyPr/>
-          <a:lstStyle/>
-          <a:p>
-            <a:endParaRPr lang="en-IN"/>
-          </a:p>
-        </p:txBody>
-      </p:sp>
+      <p:pic>
+        <p:nvPicPr>
+          <p:cNvPr id="9" name="Picture 8" descr="A close-up of a chart&#10;&#10;Description automatically generated">
+            <a:extLst>
+              <a:ext uri="{FF2B5EF4-FFF2-40B4-BE49-F238E27FC236}">
+                <a16:creationId xmlns:a16="http://schemas.microsoft.com/office/drawing/2014/main" id="{B6FC39FE-65A1-00DB-FDBA-62D7DA7313B4}"/>
+              </a:ext>
+            </a:extLst>
+          </p:cNvPr>
+          <p:cNvPicPr>
+            <a:picLocks noChangeAspect="1"/>
+          </p:cNvPicPr>
+          <p:nvPr/>
+        </p:nvPicPr>
+        <p:blipFill>
+          <a:blip r:embed="rId4">
+            <a:extLst>
+              <a:ext uri="{28A0092B-C50C-407E-A947-70E740481C1C}">
+                <a14:useLocalDpi xmlns:a14="http://schemas.microsoft.com/office/drawing/2010/main" val="0"/>
+              </a:ext>
+            </a:extLst>
+          </a:blip>
+          <a:srcRect l="13614" t="4296" r="11522"/>
+          <a:stretch/>
+        </p:blipFill>
+        <p:spPr>
+          <a:xfrm>
+            <a:off x="8350898" y="3620278"/>
+            <a:ext cx="3769567" cy="2248678"/>
+          </a:xfrm>
+          <a:prstGeom prst="rect">
+            <a:avLst/>
+          </a:prstGeom>
+        </p:spPr>
+      </p:pic>
+      <p:pic>
+        <p:nvPicPr>
+          <p:cNvPr id="3" name="Picture 2" descr="A screenshot of a map&#10;&#10;Description automatically generated">
+            <a:extLst>
+              <a:ext uri="{FF2B5EF4-FFF2-40B4-BE49-F238E27FC236}">
+                <a16:creationId xmlns:a16="http://schemas.microsoft.com/office/drawing/2014/main" id="{ED74AA3A-6986-880C-784F-0382D9BD921E}"/>
+              </a:ext>
+            </a:extLst>
+          </p:cNvPr>
+          <p:cNvPicPr>
+            <a:picLocks noChangeAspect="1"/>
+          </p:cNvPicPr>
+          <p:nvPr/>
+        </p:nvPicPr>
+        <p:blipFill>
+          <a:blip r:embed="rId5">
+            <a:extLst>
+              <a:ext uri="{28A0092B-C50C-407E-A947-70E740481C1C}">
+                <a14:useLocalDpi xmlns:a14="http://schemas.microsoft.com/office/drawing/2010/main" val="0"/>
+              </a:ext>
+            </a:extLst>
+          </a:blip>
+          <a:stretch>
+            <a:fillRect/>
+          </a:stretch>
+        </p:blipFill>
+        <p:spPr>
+          <a:xfrm>
+            <a:off x="175492" y="1362270"/>
+            <a:ext cx="8141696" cy="4562668"/>
+          </a:xfrm>
+          <a:prstGeom prst="rect">
+            <a:avLst/>
+          </a:prstGeom>
+        </p:spPr>
+      </p:pic>
     </p:spTree>
     <p:extLst>
       <p:ext uri="{BB962C8B-B14F-4D97-AF65-F5344CB8AC3E}">
-        <p14:creationId xmlns:p14="http://schemas.microsoft.com/office/powerpoint/2010/main" val="4118009842"/>
+        <p14:creationId xmlns:p14="http://schemas.microsoft.com/office/powerpoint/2010/main" val="3906995580"/>
       </p:ext>
     </p:extLst>
   </p:cSld>
@@ -23448,7 +24995,7 @@
         <p:cNvPr id="1" name="">
           <a:extLst>
             <a:ext uri="{FF2B5EF4-FFF2-40B4-BE49-F238E27FC236}">
-              <a16:creationId xmlns:a16="http://schemas.microsoft.com/office/drawing/2014/main" id="{3CCB92E2-546B-37CB-955E-15E16372E47A}"/>
+              <a16:creationId xmlns:a16="http://schemas.microsoft.com/office/drawing/2014/main" id="{8CDEFD0D-FA99-9024-572B-9D26F96AC150}"/>
             </a:ext>
           </a:extLst>
         </p:cNvPr>
@@ -23468,7 +25015,7 @@
           <p:cNvPr id="2" name="Title 1">
             <a:extLst>
               <a:ext uri="{FF2B5EF4-FFF2-40B4-BE49-F238E27FC236}">
-                <a16:creationId xmlns:a16="http://schemas.microsoft.com/office/drawing/2014/main" id="{4BAD786E-8BEB-1641-E1E1-4A96E6C16380}"/>
+                <a16:creationId xmlns:a16="http://schemas.microsoft.com/office/drawing/2014/main" id="{50D95DF4-4BB3-3623-5427-401743FFA3F3}"/>
               </a:ext>
             </a:extLst>
           </p:cNvPr>
@@ -23500,7 +25047,7 @@
                   </a:schemeClr>
                 </a:solidFill>
               </a:rPr>
-              <a:t>6. Strategies of Community engagement</a:t>
+              <a:t>4. Grid Infrastructure and Cable Routing</a:t>
             </a:r>
             <a:endParaRPr lang="en-IN" sz="2800" b="1" dirty="0">
               <a:solidFill>
@@ -23517,7 +25064,7 @@
           <p:cNvPr id="7" name="Picture 6">
             <a:extLst>
               <a:ext uri="{FF2B5EF4-FFF2-40B4-BE49-F238E27FC236}">
-                <a16:creationId xmlns:a16="http://schemas.microsoft.com/office/drawing/2014/main" id="{35C9A299-0A48-7B33-53A4-D714B2A34A19}"/>
+                <a16:creationId xmlns:a16="http://schemas.microsoft.com/office/drawing/2014/main" id="{F6AF287A-30EF-CB3A-7157-C5CA3BF3509C}"/>
               </a:ext>
             </a:extLst>
           </p:cNvPr>
@@ -23552,7 +25099,7 @@
           <p:cNvPr id="10" name="Picture 9" descr="A logo with blue and black text&#10;&#10;Description automatically generated">
             <a:extLst>
               <a:ext uri="{FF2B5EF4-FFF2-40B4-BE49-F238E27FC236}">
-                <a16:creationId xmlns:a16="http://schemas.microsoft.com/office/drawing/2014/main" id="{50A69531-5E84-8B70-F847-94D211C7887C}"/>
+                <a16:creationId xmlns:a16="http://schemas.microsoft.com/office/drawing/2014/main" id="{99447A9B-75D3-7FC1-0DCF-760429514684}"/>
               </a:ext>
             </a:extLst>
           </p:cNvPr>
@@ -23588,7 +25135,7 @@
           <p:cNvPr id="6" name="Rectangle 5">
             <a:extLst>
               <a:ext uri="{FF2B5EF4-FFF2-40B4-BE49-F238E27FC236}">
-                <a16:creationId xmlns:a16="http://schemas.microsoft.com/office/drawing/2014/main" id="{EB32E2EC-DB73-E182-C843-34438308BD6C}"/>
+                <a16:creationId xmlns:a16="http://schemas.microsoft.com/office/drawing/2014/main" id="{84C592EA-955B-7542-0B1B-8D57645D9453}"/>
               </a:ext>
             </a:extLst>
           </p:cNvPr>
@@ -23640,7 +25187,7 @@
           <p:cNvPr id="5" name="Straight Connector 4">
             <a:extLst>
               <a:ext uri="{FF2B5EF4-FFF2-40B4-BE49-F238E27FC236}">
-                <a16:creationId xmlns:a16="http://schemas.microsoft.com/office/drawing/2014/main" id="{1E3AF5FF-F399-B817-92DF-D57DAC460242}"/>
+                <a16:creationId xmlns:a16="http://schemas.microsoft.com/office/drawing/2014/main" id="{E375A4CF-EF65-A63F-AF60-0ED26FA438FB}"/>
               </a:ext>
             </a:extLst>
           </p:cNvPr>
@@ -23686,7 +25233,7 @@
           <p:cNvPr id="17" name="Date Placeholder 16">
             <a:extLst>
               <a:ext uri="{FF2B5EF4-FFF2-40B4-BE49-F238E27FC236}">
-                <a16:creationId xmlns:a16="http://schemas.microsoft.com/office/drawing/2014/main" id="{4890AE07-E26F-DB55-02DA-7B9958B5D18B}"/>
+                <a16:creationId xmlns:a16="http://schemas.microsoft.com/office/drawing/2014/main" id="{6A128583-D295-3221-42C3-9F781C0F04A8}"/>
               </a:ext>
             </a:extLst>
           </p:cNvPr>
@@ -23723,7 +25270,7 @@
           <p:cNvPr id="18" name="Slide Number Placeholder 17">
             <a:extLst>
               <a:ext uri="{FF2B5EF4-FFF2-40B4-BE49-F238E27FC236}">
-                <a16:creationId xmlns:a16="http://schemas.microsoft.com/office/drawing/2014/main" id="{3E491E18-7300-CAAB-8928-8BA04EF5795E}"/>
+                <a16:creationId xmlns:a16="http://schemas.microsoft.com/office/drawing/2014/main" id="{BCE1A5D7-1589-780D-FB4E-D1A055F7A139}"/>
               </a:ext>
             </a:extLst>
           </p:cNvPr>
@@ -23760,7 +25307,7 @@
           <p:cNvPr id="12" name="Footer Placeholder 1">
             <a:extLst>
               <a:ext uri="{FF2B5EF4-FFF2-40B4-BE49-F238E27FC236}">
-                <a16:creationId xmlns:a16="http://schemas.microsoft.com/office/drawing/2014/main" id="{08C8929A-50BD-9E35-0EE7-759A2B0F066D}"/>
+                <a16:creationId xmlns:a16="http://schemas.microsoft.com/office/drawing/2014/main" id="{62B1660A-3894-F1BA-706A-325A95F622B9}"/>
               </a:ext>
             </a:extLst>
           </p:cNvPr>
@@ -23799,384 +25346,33 @@
       </p:sp>
       <p:sp>
         <p:nvSpPr>
-          <p:cNvPr id="11" name="Rectangle: Rounded Corners 10">
-            <a:extLst>
-              <a:ext uri="{FF2B5EF4-FFF2-40B4-BE49-F238E27FC236}">
-                <a16:creationId xmlns:a16="http://schemas.microsoft.com/office/drawing/2014/main" id="{E911F3DE-225C-FDD2-1D28-602BDEBD6C0E}"/>
-              </a:ext>
-            </a:extLst>
-          </p:cNvPr>
-          <p:cNvSpPr/>
-          <p:nvPr/>
-        </p:nvSpPr>
-        <p:spPr>
-          <a:xfrm>
-            <a:off x="276045" y="1630392"/>
-            <a:ext cx="2760453" cy="577969"/>
-          </a:xfrm>
-          <a:prstGeom prst="roundRect">
-            <a:avLst/>
-          </a:prstGeom>
-        </p:spPr>
-        <p:style>
-          <a:lnRef idx="1">
-            <a:schemeClr val="accent5"/>
-          </a:lnRef>
-          <a:fillRef idx="2">
-            <a:schemeClr val="accent5"/>
-          </a:fillRef>
-          <a:effectRef idx="1">
-            <a:schemeClr val="accent5"/>
-          </a:effectRef>
-          <a:fontRef idx="minor">
-            <a:schemeClr val="dk1"/>
-          </a:fontRef>
-        </p:style>
-        <p:txBody>
-          <a:bodyPr rtlCol="0" anchor="ctr"/>
+          <p:cNvPr id="8" name="Content Placeholder 7">
+            <a:extLst>
+              <a:ext uri="{FF2B5EF4-FFF2-40B4-BE49-F238E27FC236}">
+                <a16:creationId xmlns:a16="http://schemas.microsoft.com/office/drawing/2014/main" id="{BDF23456-65D6-243F-8372-D1AC82D1B855}"/>
+              </a:ext>
+            </a:extLst>
+          </p:cNvPr>
+          <p:cNvSpPr>
+            <a:spLocks noGrp="1"/>
+          </p:cNvSpPr>
+          <p:nvPr>
+            <p:ph idx="1"/>
+          </p:nvPr>
+        </p:nvSpPr>
+        <p:spPr/>
+        <p:txBody>
+          <a:bodyPr/>
           <a:lstStyle/>
           <a:p>
-            <a:pPr algn="ctr"/>
-            <a:r>
-              <a:rPr lang="en-IN" dirty="0"/>
-              <a:t>Community Meeting</a:t>
-            </a:r>
-          </a:p>
-        </p:txBody>
-      </p:sp>
-      <p:sp>
-        <p:nvSpPr>
-          <p:cNvPr id="13" name="Rectangle: Rounded Corners 12">
-            <a:extLst>
-              <a:ext uri="{FF2B5EF4-FFF2-40B4-BE49-F238E27FC236}">
-                <a16:creationId xmlns:a16="http://schemas.microsoft.com/office/drawing/2014/main" id="{F0AD8EEE-2E4C-6391-6D09-E3F25B1D65B4}"/>
-              </a:ext>
-            </a:extLst>
-          </p:cNvPr>
-          <p:cNvSpPr/>
-          <p:nvPr/>
-        </p:nvSpPr>
-        <p:spPr>
-          <a:xfrm>
-            <a:off x="8364747" y="1670649"/>
-            <a:ext cx="2760453" cy="577969"/>
-          </a:xfrm>
-          <a:prstGeom prst="roundRect">
-            <a:avLst/>
-          </a:prstGeom>
-        </p:spPr>
-        <p:style>
-          <a:lnRef idx="1">
-            <a:schemeClr val="accent5"/>
-          </a:lnRef>
-          <a:fillRef idx="2">
-            <a:schemeClr val="accent5"/>
-          </a:fillRef>
-          <a:effectRef idx="1">
-            <a:schemeClr val="accent5"/>
-          </a:effectRef>
-          <a:fontRef idx="minor">
-            <a:schemeClr val="dk1"/>
-          </a:fontRef>
-        </p:style>
-        <p:txBody>
-          <a:bodyPr rtlCol="0" anchor="ctr"/>
-          <a:lstStyle/>
-          <a:p>
-            <a:pPr algn="ctr"/>
-            <a:r>
-              <a:rPr lang="en-IN" dirty="0"/>
-              <a:t>Engage Local Leaders</a:t>
-            </a:r>
-          </a:p>
-        </p:txBody>
-      </p:sp>
-      <p:sp>
-        <p:nvSpPr>
-          <p:cNvPr id="14" name="Rectangle: Rounded Corners 13">
-            <a:extLst>
-              <a:ext uri="{FF2B5EF4-FFF2-40B4-BE49-F238E27FC236}">
-                <a16:creationId xmlns:a16="http://schemas.microsoft.com/office/drawing/2014/main" id="{032E64F3-4ACD-6B79-D82F-AFA646C242C5}"/>
-              </a:ext>
-            </a:extLst>
-          </p:cNvPr>
-          <p:cNvSpPr/>
-          <p:nvPr/>
-        </p:nvSpPr>
-        <p:spPr>
-          <a:xfrm>
-            <a:off x="4293079" y="1653396"/>
-            <a:ext cx="2760453" cy="577969"/>
-          </a:xfrm>
-          <a:prstGeom prst="roundRect">
-            <a:avLst/>
-          </a:prstGeom>
-        </p:spPr>
-        <p:style>
-          <a:lnRef idx="1">
-            <a:schemeClr val="accent5"/>
-          </a:lnRef>
-          <a:fillRef idx="2">
-            <a:schemeClr val="accent5"/>
-          </a:fillRef>
-          <a:effectRef idx="1">
-            <a:schemeClr val="accent5"/>
-          </a:effectRef>
-          <a:fontRef idx="minor">
-            <a:schemeClr val="dk1"/>
-          </a:fontRef>
-        </p:style>
-        <p:txBody>
-          <a:bodyPr rtlCol="0" anchor="ctr"/>
-          <a:lstStyle/>
-          <a:p>
-            <a:pPr algn="ctr"/>
-            <a:r>
-              <a:rPr lang="en-IN" dirty="0"/>
-              <a:t>Transparency</a:t>
-            </a:r>
-          </a:p>
-        </p:txBody>
-      </p:sp>
-      <p:sp>
-        <p:nvSpPr>
-          <p:cNvPr id="15" name="Rectangle: Rounded Corners 14">
-            <a:extLst>
-              <a:ext uri="{FF2B5EF4-FFF2-40B4-BE49-F238E27FC236}">
-                <a16:creationId xmlns:a16="http://schemas.microsoft.com/office/drawing/2014/main" id="{F727C646-EBCB-926F-C18D-BDA782F6B04E}"/>
-              </a:ext>
-            </a:extLst>
-          </p:cNvPr>
-          <p:cNvSpPr/>
-          <p:nvPr/>
-        </p:nvSpPr>
-        <p:spPr>
-          <a:xfrm>
-            <a:off x="2237117" y="3177397"/>
-            <a:ext cx="2760453" cy="577969"/>
-          </a:xfrm>
-          <a:prstGeom prst="roundRect">
-            <a:avLst/>
-          </a:prstGeom>
-        </p:spPr>
-        <p:style>
-          <a:lnRef idx="1">
-            <a:schemeClr val="accent5"/>
-          </a:lnRef>
-          <a:fillRef idx="2">
-            <a:schemeClr val="accent5"/>
-          </a:fillRef>
-          <a:effectRef idx="1">
-            <a:schemeClr val="accent5"/>
-          </a:effectRef>
-          <a:fontRef idx="minor">
-            <a:schemeClr val="dk1"/>
-          </a:fontRef>
-        </p:style>
-        <p:txBody>
-          <a:bodyPr rtlCol="0" anchor="ctr"/>
-          <a:lstStyle/>
-          <a:p>
-            <a:pPr algn="ctr"/>
-            <a:r>
-              <a:rPr lang="en-IN" dirty="0"/>
-              <a:t>Benefit Sharing</a:t>
-            </a:r>
-          </a:p>
-        </p:txBody>
-      </p:sp>
-      <p:sp>
-        <p:nvSpPr>
-          <p:cNvPr id="16" name="Rectangle: Rounded Corners 15">
-            <a:extLst>
-              <a:ext uri="{FF2B5EF4-FFF2-40B4-BE49-F238E27FC236}">
-                <a16:creationId xmlns:a16="http://schemas.microsoft.com/office/drawing/2014/main" id="{98C4366B-685D-65B4-E650-D355326C2108}"/>
-              </a:ext>
-            </a:extLst>
-          </p:cNvPr>
-          <p:cNvSpPr/>
-          <p:nvPr/>
-        </p:nvSpPr>
-        <p:spPr>
-          <a:xfrm>
-            <a:off x="6748732" y="3229155"/>
-            <a:ext cx="2760453" cy="577969"/>
-          </a:xfrm>
-          <a:prstGeom prst="roundRect">
-            <a:avLst/>
-          </a:prstGeom>
-        </p:spPr>
-        <p:style>
-          <a:lnRef idx="1">
-            <a:schemeClr val="accent5"/>
-          </a:lnRef>
-          <a:fillRef idx="2">
-            <a:schemeClr val="accent5"/>
-          </a:fillRef>
-          <a:effectRef idx="1">
-            <a:schemeClr val="accent5"/>
-          </a:effectRef>
-          <a:fontRef idx="minor">
-            <a:schemeClr val="dk1"/>
-          </a:fontRef>
-        </p:style>
-        <p:txBody>
-          <a:bodyPr rtlCol="0" anchor="ctr"/>
-          <a:lstStyle/>
-          <a:p>
-            <a:pPr algn="ctr"/>
-            <a:r>
-              <a:rPr lang="en-IN" dirty="0"/>
-              <a:t>Regular Updates</a:t>
-            </a:r>
-          </a:p>
-        </p:txBody>
-      </p:sp>
-      <p:sp>
-        <p:nvSpPr>
-          <p:cNvPr id="21" name="Rectangle: Rounded Corners 20">
-            <a:extLst>
-              <a:ext uri="{FF2B5EF4-FFF2-40B4-BE49-F238E27FC236}">
-                <a16:creationId xmlns:a16="http://schemas.microsoft.com/office/drawing/2014/main" id="{B609FF58-92AA-5364-9682-1D43E52A525B}"/>
-              </a:ext>
-            </a:extLst>
-          </p:cNvPr>
-          <p:cNvSpPr/>
-          <p:nvPr/>
-        </p:nvSpPr>
-        <p:spPr>
-          <a:xfrm>
-            <a:off x="189781" y="5080959"/>
-            <a:ext cx="2760453" cy="577969"/>
-          </a:xfrm>
-          <a:prstGeom prst="roundRect">
-            <a:avLst/>
-          </a:prstGeom>
-        </p:spPr>
-        <p:style>
-          <a:lnRef idx="1">
-            <a:schemeClr val="accent5"/>
-          </a:lnRef>
-          <a:fillRef idx="2">
-            <a:schemeClr val="accent5"/>
-          </a:fillRef>
-          <a:effectRef idx="1">
-            <a:schemeClr val="accent5"/>
-          </a:effectRef>
-          <a:fontRef idx="minor">
-            <a:schemeClr val="dk1"/>
-          </a:fontRef>
-        </p:style>
-        <p:txBody>
-          <a:bodyPr rtlCol="0" anchor="ctr"/>
-          <a:lstStyle/>
-          <a:p>
-            <a:pPr algn="ctr"/>
-            <a:r>
-              <a:rPr lang="en-IN" dirty="0"/>
-              <a:t>Community Feedback</a:t>
-            </a:r>
-          </a:p>
-        </p:txBody>
-      </p:sp>
-      <p:sp>
-        <p:nvSpPr>
-          <p:cNvPr id="22" name="Rectangle: Rounded Corners 21">
-            <a:extLst>
-              <a:ext uri="{FF2B5EF4-FFF2-40B4-BE49-F238E27FC236}">
-                <a16:creationId xmlns:a16="http://schemas.microsoft.com/office/drawing/2014/main" id="{9D19B6F6-DA06-9E4B-A3F8-E5FB14E104AE}"/>
-              </a:ext>
-            </a:extLst>
-          </p:cNvPr>
-          <p:cNvSpPr/>
-          <p:nvPr/>
-        </p:nvSpPr>
-        <p:spPr>
-          <a:xfrm>
-            <a:off x="4304580" y="5089586"/>
-            <a:ext cx="2760453" cy="577969"/>
-          </a:xfrm>
-          <a:prstGeom prst="roundRect">
-            <a:avLst/>
-          </a:prstGeom>
-        </p:spPr>
-        <p:style>
-          <a:lnRef idx="1">
-            <a:schemeClr val="accent5"/>
-          </a:lnRef>
-          <a:fillRef idx="2">
-            <a:schemeClr val="accent5"/>
-          </a:fillRef>
-          <a:effectRef idx="1">
-            <a:schemeClr val="accent5"/>
-          </a:effectRef>
-          <a:fontRef idx="minor">
-            <a:schemeClr val="dk1"/>
-          </a:fontRef>
-        </p:style>
-        <p:txBody>
-          <a:bodyPr rtlCol="0" anchor="ctr"/>
-          <a:lstStyle/>
-          <a:p>
-            <a:pPr algn="ctr"/>
-            <a:r>
-              <a:rPr lang="en-IN" dirty="0"/>
-              <a:t>Raise Awareness</a:t>
-            </a:r>
-          </a:p>
-        </p:txBody>
-      </p:sp>
-      <p:sp>
-        <p:nvSpPr>
-          <p:cNvPr id="23" name="Rectangle: Rounded Corners 22">
-            <a:extLst>
-              <a:ext uri="{FF2B5EF4-FFF2-40B4-BE49-F238E27FC236}">
-                <a16:creationId xmlns:a16="http://schemas.microsoft.com/office/drawing/2014/main" id="{B748F7EE-85A2-E6A4-8D73-4D44BE4FCD7A}"/>
-              </a:ext>
-            </a:extLst>
-          </p:cNvPr>
-          <p:cNvSpPr/>
-          <p:nvPr/>
-        </p:nvSpPr>
-        <p:spPr>
-          <a:xfrm>
-            <a:off x="8798944" y="5089587"/>
-            <a:ext cx="2760453" cy="577969"/>
-          </a:xfrm>
-          <a:prstGeom prst="roundRect">
-            <a:avLst/>
-          </a:prstGeom>
-        </p:spPr>
-        <p:style>
-          <a:lnRef idx="1">
-            <a:schemeClr val="accent5"/>
-          </a:lnRef>
-          <a:fillRef idx="2">
-            <a:schemeClr val="accent5"/>
-          </a:fillRef>
-          <a:effectRef idx="1">
-            <a:schemeClr val="accent5"/>
-          </a:effectRef>
-          <a:fontRef idx="minor">
-            <a:schemeClr val="dk1"/>
-          </a:fontRef>
-        </p:style>
-        <p:txBody>
-          <a:bodyPr rtlCol="0" anchor="ctr"/>
-          <a:lstStyle/>
-          <a:p>
-            <a:pPr algn="ctr"/>
-            <a:r>
-              <a:rPr lang="en-IN" dirty="0"/>
-              <a:t>Long Term Engagement</a:t>
-            </a:r>
+            <a:endParaRPr lang="en-IN"/>
           </a:p>
         </p:txBody>
       </p:sp>
     </p:spTree>
     <p:extLst>
       <p:ext uri="{BB962C8B-B14F-4D97-AF65-F5344CB8AC3E}">
-        <p14:creationId xmlns:p14="http://schemas.microsoft.com/office/powerpoint/2010/main" val="4188181281"/>
+        <p14:creationId xmlns:p14="http://schemas.microsoft.com/office/powerpoint/2010/main" val="2637496480"/>
       </p:ext>
     </p:extLst>
   </p:cSld>
@@ -24194,7 +25390,7 @@
         <p:cNvPr id="1" name="">
           <a:extLst>
             <a:ext uri="{FF2B5EF4-FFF2-40B4-BE49-F238E27FC236}">
-              <a16:creationId xmlns:a16="http://schemas.microsoft.com/office/drawing/2014/main" id="{6BD5306B-ED26-AF34-5E53-CDA7B6466EB7}"/>
+              <a16:creationId xmlns:a16="http://schemas.microsoft.com/office/drawing/2014/main" id="{8025F803-8341-E3E4-C3B4-746630F10CC4}"/>
             </a:ext>
           </a:extLst>
         </p:cNvPr>
@@ -24214,7 +25410,7 @@
           <p:cNvPr id="2" name="Title 1">
             <a:extLst>
               <a:ext uri="{FF2B5EF4-FFF2-40B4-BE49-F238E27FC236}">
-                <a16:creationId xmlns:a16="http://schemas.microsoft.com/office/drawing/2014/main" id="{0ACA3C14-1801-1F04-5A0F-7137A3D07A9C}"/>
+                <a16:creationId xmlns:a16="http://schemas.microsoft.com/office/drawing/2014/main" id="{1D10361A-B497-EBCD-ADB4-345D78C0D055}"/>
               </a:ext>
             </a:extLst>
           </p:cNvPr>
@@ -24246,7 +25442,7 @@
                   </a:schemeClr>
                 </a:solidFill>
               </a:rPr>
-              <a:t>7. Land Leasing</a:t>
+              <a:t>5. Project Development Timeline</a:t>
             </a:r>
             <a:endParaRPr lang="en-IN" sz="2800" b="1" dirty="0">
               <a:solidFill>
@@ -24263,7 +25459,7 @@
           <p:cNvPr id="7" name="Picture 6">
             <a:extLst>
               <a:ext uri="{FF2B5EF4-FFF2-40B4-BE49-F238E27FC236}">
-                <a16:creationId xmlns:a16="http://schemas.microsoft.com/office/drawing/2014/main" id="{29377A17-1BF0-F1AF-38FA-CFDA8948B810}"/>
+                <a16:creationId xmlns:a16="http://schemas.microsoft.com/office/drawing/2014/main" id="{27C05E3B-7F71-98E9-364A-418E9DF02F4C}"/>
               </a:ext>
             </a:extLst>
           </p:cNvPr>
@@ -24298,7 +25494,7 @@
           <p:cNvPr id="10" name="Picture 9" descr="A logo with blue and black text&#10;&#10;Description automatically generated">
             <a:extLst>
               <a:ext uri="{FF2B5EF4-FFF2-40B4-BE49-F238E27FC236}">
-                <a16:creationId xmlns:a16="http://schemas.microsoft.com/office/drawing/2014/main" id="{4A8C1A39-FE2A-2229-FFB4-71509237FE48}"/>
+                <a16:creationId xmlns:a16="http://schemas.microsoft.com/office/drawing/2014/main" id="{EFFA6B53-284A-73CA-F79D-33F5F90086C5}"/>
               </a:ext>
             </a:extLst>
           </p:cNvPr>
@@ -24334,7 +25530,7 @@
           <p:cNvPr id="6" name="Rectangle 5">
             <a:extLst>
               <a:ext uri="{FF2B5EF4-FFF2-40B4-BE49-F238E27FC236}">
-                <a16:creationId xmlns:a16="http://schemas.microsoft.com/office/drawing/2014/main" id="{E05AC6F1-862F-0E1C-60AE-5C4239EF90A0}"/>
+                <a16:creationId xmlns:a16="http://schemas.microsoft.com/office/drawing/2014/main" id="{5BCC29FC-D4F1-32AC-9BA8-673051458B64}"/>
               </a:ext>
             </a:extLst>
           </p:cNvPr>
@@ -24386,7 +25582,7 @@
           <p:cNvPr id="5" name="Straight Connector 4">
             <a:extLst>
               <a:ext uri="{FF2B5EF4-FFF2-40B4-BE49-F238E27FC236}">
-                <a16:creationId xmlns:a16="http://schemas.microsoft.com/office/drawing/2014/main" id="{B3924E65-6F3F-BA32-28D0-DF4417759588}"/>
+                <a16:creationId xmlns:a16="http://schemas.microsoft.com/office/drawing/2014/main" id="{FCC25CF3-A4BC-F0C5-263E-2A4293622E7A}"/>
               </a:ext>
             </a:extLst>
           </p:cNvPr>
@@ -24432,7 +25628,7 @@
           <p:cNvPr id="17" name="Date Placeholder 16">
             <a:extLst>
               <a:ext uri="{FF2B5EF4-FFF2-40B4-BE49-F238E27FC236}">
-                <a16:creationId xmlns:a16="http://schemas.microsoft.com/office/drawing/2014/main" id="{312B6DB8-1311-800C-E7BF-C6E6422DE2C3}"/>
+                <a16:creationId xmlns:a16="http://schemas.microsoft.com/office/drawing/2014/main" id="{A5E58D6F-1F4D-3E89-F1AA-50C23CDA623A}"/>
               </a:ext>
             </a:extLst>
           </p:cNvPr>
@@ -24469,7 +25665,7 @@
           <p:cNvPr id="18" name="Slide Number Placeholder 17">
             <a:extLst>
               <a:ext uri="{FF2B5EF4-FFF2-40B4-BE49-F238E27FC236}">
-                <a16:creationId xmlns:a16="http://schemas.microsoft.com/office/drawing/2014/main" id="{6552EB04-EF71-4F47-02C3-9ED7C3072DA3}"/>
+                <a16:creationId xmlns:a16="http://schemas.microsoft.com/office/drawing/2014/main" id="{0BBCE321-B105-45B9-2969-7AC1A96D89BC}"/>
               </a:ext>
             </a:extLst>
           </p:cNvPr>
@@ -24506,7 +25702,7 @@
           <p:cNvPr id="12" name="Footer Placeholder 1">
             <a:extLst>
               <a:ext uri="{FF2B5EF4-FFF2-40B4-BE49-F238E27FC236}">
-                <a16:creationId xmlns:a16="http://schemas.microsoft.com/office/drawing/2014/main" id="{5556646C-B19C-9579-B3FF-6DB42CB4CF22}"/>
+                <a16:creationId xmlns:a16="http://schemas.microsoft.com/office/drawing/2014/main" id="{3C610F41-7A99-349A-4C8D-4BBCA888BB01}"/>
               </a:ext>
             </a:extLst>
           </p:cNvPr>
@@ -24548,7 +25744,7 @@
           <p:cNvPr id="8" name="Content Placeholder 7">
             <a:extLst>
               <a:ext uri="{FF2B5EF4-FFF2-40B4-BE49-F238E27FC236}">
-                <a16:creationId xmlns:a16="http://schemas.microsoft.com/office/drawing/2014/main" id="{86D1C21F-0630-D650-47D8-A4E0F3638FA7}"/>
+                <a16:creationId xmlns:a16="http://schemas.microsoft.com/office/drawing/2014/main" id="{BD4ED3EC-E278-55EC-3CC4-5B88DBEF4430}"/>
               </a:ext>
             </a:extLst>
           </p:cNvPr>
@@ -24571,7 +25767,7 @@
     </p:spTree>
     <p:extLst>
       <p:ext uri="{BB962C8B-B14F-4D97-AF65-F5344CB8AC3E}">
-        <p14:creationId xmlns:p14="http://schemas.microsoft.com/office/powerpoint/2010/main" val="3635591320"/>
+        <p14:creationId xmlns:p14="http://schemas.microsoft.com/office/powerpoint/2010/main" val="4118009842"/>
       </p:ext>
     </p:extLst>
   </p:cSld>
